--- a/_posts/202005_adf_devops/Schemas.pptx
+++ b/_posts/202005_adf_devops/Schemas.pptx
@@ -106,6 +106,11 @@
       </a:defRPr>
     </a:lvl9pPr>
   </p:defaultTextStyle>
+  <p:extLst>
+    <p:ext uri="{EFAFB233-063F-42B5-8137-9DF3F51BA10A}">
+      <p15:sldGuideLst xmlns:p15="http://schemas.microsoft.com/office/powerpoint/2012/main"/>
+    </p:ext>
+  </p:extLst>
 </p:presentation>
 </file>
 
@@ -256,7 +261,7 @@
           <a:p>
             <a:fld id="{15A40CFD-EA99-47BE-B976-F91F900C8871}" type="datetimeFigureOut">
               <a:rPr lang="en-US" smtClean="0"/>
-              <a:t>6/1/2020</a:t>
+              <a:t>6/3/2020</a:t>
             </a:fld>
             <a:endParaRPr lang="en-US"/>
           </a:p>
@@ -454,7 +459,7 @@
           <a:p>
             <a:fld id="{15A40CFD-EA99-47BE-B976-F91F900C8871}" type="datetimeFigureOut">
               <a:rPr lang="en-US" smtClean="0"/>
-              <a:t>6/1/2020</a:t>
+              <a:t>6/3/2020</a:t>
             </a:fld>
             <a:endParaRPr lang="en-US"/>
           </a:p>
@@ -662,7 +667,7 @@
           <a:p>
             <a:fld id="{15A40CFD-EA99-47BE-B976-F91F900C8871}" type="datetimeFigureOut">
               <a:rPr lang="en-US" smtClean="0"/>
-              <a:t>6/1/2020</a:t>
+              <a:t>6/3/2020</a:t>
             </a:fld>
             <a:endParaRPr lang="en-US"/>
           </a:p>
@@ -860,7 +865,7 @@
           <a:p>
             <a:fld id="{15A40CFD-EA99-47BE-B976-F91F900C8871}" type="datetimeFigureOut">
               <a:rPr lang="en-US" smtClean="0"/>
-              <a:t>6/1/2020</a:t>
+              <a:t>6/3/2020</a:t>
             </a:fld>
             <a:endParaRPr lang="en-US"/>
           </a:p>
@@ -1135,7 +1140,7 @@
           <a:p>
             <a:fld id="{15A40CFD-EA99-47BE-B976-F91F900C8871}" type="datetimeFigureOut">
               <a:rPr lang="en-US" smtClean="0"/>
-              <a:t>6/1/2020</a:t>
+              <a:t>6/3/2020</a:t>
             </a:fld>
             <a:endParaRPr lang="en-US"/>
           </a:p>
@@ -1400,7 +1405,7 @@
           <a:p>
             <a:fld id="{15A40CFD-EA99-47BE-B976-F91F900C8871}" type="datetimeFigureOut">
               <a:rPr lang="en-US" smtClean="0"/>
-              <a:t>6/1/2020</a:t>
+              <a:t>6/3/2020</a:t>
             </a:fld>
             <a:endParaRPr lang="en-US"/>
           </a:p>
@@ -1812,7 +1817,7 @@
           <a:p>
             <a:fld id="{15A40CFD-EA99-47BE-B976-F91F900C8871}" type="datetimeFigureOut">
               <a:rPr lang="en-US" smtClean="0"/>
-              <a:t>6/1/2020</a:t>
+              <a:t>6/3/2020</a:t>
             </a:fld>
             <a:endParaRPr lang="en-US"/>
           </a:p>
@@ -1953,7 +1958,7 @@
           <a:p>
             <a:fld id="{15A40CFD-EA99-47BE-B976-F91F900C8871}" type="datetimeFigureOut">
               <a:rPr lang="en-US" smtClean="0"/>
-              <a:t>6/1/2020</a:t>
+              <a:t>6/3/2020</a:t>
             </a:fld>
             <a:endParaRPr lang="en-US"/>
           </a:p>
@@ -2066,7 +2071,7 @@
           <a:p>
             <a:fld id="{15A40CFD-EA99-47BE-B976-F91F900C8871}" type="datetimeFigureOut">
               <a:rPr lang="en-US" smtClean="0"/>
-              <a:t>6/1/2020</a:t>
+              <a:t>6/3/2020</a:t>
             </a:fld>
             <a:endParaRPr lang="en-US"/>
           </a:p>
@@ -2377,7 +2382,7 @@
           <a:p>
             <a:fld id="{15A40CFD-EA99-47BE-B976-F91F900C8871}" type="datetimeFigureOut">
               <a:rPr lang="en-US" smtClean="0"/>
-              <a:t>6/1/2020</a:t>
+              <a:t>6/3/2020</a:t>
             </a:fld>
             <a:endParaRPr lang="en-US"/>
           </a:p>
@@ -2665,7 +2670,7 @@
           <a:p>
             <a:fld id="{15A40CFD-EA99-47BE-B976-F91F900C8871}" type="datetimeFigureOut">
               <a:rPr lang="en-US" smtClean="0"/>
-              <a:t>6/1/2020</a:t>
+              <a:t>6/3/2020</a:t>
             </a:fld>
             <a:endParaRPr lang="en-US"/>
           </a:p>
@@ -2906,7 +2911,7 @@
           <a:p>
             <a:fld id="{15A40CFD-EA99-47BE-B976-F91F900C8871}" type="datetimeFigureOut">
               <a:rPr lang="en-US" smtClean="0"/>
-              <a:t>6/1/2020</a:t>
+              <a:t>6/3/2020</a:t>
             </a:fld>
             <a:endParaRPr lang="en-US"/>
           </a:p>
@@ -4924,6 +4929,1999 @@
           </a:p>
         </p:txBody>
       </p:sp>
+      <p:sp>
+        <p:nvSpPr>
+          <p:cNvPr id="38" name="Rectangle 37">
+            <a:extLst>
+              <a:ext uri="{FF2B5EF4-FFF2-40B4-BE49-F238E27FC236}">
+                <a16:creationId xmlns:a16="http://schemas.microsoft.com/office/drawing/2014/main" id="{EFE6A55B-5FC4-4520-8BE1-74BD96C05196}"/>
+              </a:ext>
+            </a:extLst>
+          </p:cNvPr>
+          <p:cNvSpPr/>
+          <p:nvPr/>
+        </p:nvSpPr>
+        <p:spPr>
+          <a:xfrm>
+            <a:off x="5387139" y="4528935"/>
+            <a:ext cx="5564604" cy="2815390"/>
+          </a:xfrm>
+          <a:prstGeom prst="rect">
+            <a:avLst/>
+          </a:prstGeom>
+          <a:solidFill>
+            <a:schemeClr val="accent4">
+              <a:alpha val="50000"/>
+            </a:schemeClr>
+          </a:solidFill>
+          <a:ln>
+            <a:noFill/>
+          </a:ln>
+        </p:spPr>
+        <p:style>
+          <a:lnRef idx="0">
+            <a:scrgbClr r="0" g="0" b="0"/>
+          </a:lnRef>
+          <a:fillRef idx="0">
+            <a:scrgbClr r="0" g="0" b="0"/>
+          </a:fillRef>
+          <a:effectRef idx="0">
+            <a:scrgbClr r="0" g="0" b="0"/>
+          </a:effectRef>
+          <a:fontRef idx="minor">
+            <a:schemeClr val="lt1"/>
+          </a:fontRef>
+        </p:style>
+        <p:txBody>
+          <a:bodyPr rtlCol="0" anchor="ctr"/>
+          <a:lstStyle/>
+          <a:p>
+            <a:pPr marL="0" marR="0">
+              <a:spcBef>
+                <a:spcPts val="0"/>
+              </a:spcBef>
+              <a:spcAft>
+                <a:spcPts val="0"/>
+              </a:spcAft>
+            </a:pPr>
+            <a:r>
+              <a:rPr lang="en-US" sz="900" dirty="0">
+                <a:ln w="0"/>
+                <a:solidFill>
+                  <a:schemeClr val="tx1"/>
+                </a:solidFill>
+                <a:effectLst>
+                  <a:outerShdw blurRad="38100" dist="19050" dir="2700000" algn="tl" rotWithShape="0">
+                    <a:schemeClr val="dk1">
+                      <a:alpha val="40000"/>
+                    </a:schemeClr>
+                  </a:outerShdw>
+                </a:effectLst>
+                <a:latin typeface="Calibri" panose="020F0502020204030204" pitchFamily="34" charset="0"/>
+                <a:ea typeface="Calibri" panose="020F0502020204030204" pitchFamily="34" charset="0"/>
+              </a:rPr>
+              <a:t>Thanks Christian. This 3</a:t>
+            </a:r>
+            <a:r>
+              <a:rPr lang="en-US" sz="900" baseline="30000" dirty="0">
+                <a:ln w="0"/>
+                <a:solidFill>
+                  <a:schemeClr val="tx1"/>
+                </a:solidFill>
+                <a:effectLst>
+                  <a:outerShdw blurRad="38100" dist="19050" dir="2700000" algn="tl" rotWithShape="0">
+                    <a:schemeClr val="dk1">
+                      <a:alpha val="40000"/>
+                    </a:schemeClr>
+                  </a:outerShdw>
+                </a:effectLst>
+                <a:latin typeface="Calibri" panose="020F0502020204030204" pitchFamily="34" charset="0"/>
+                <a:ea typeface="Calibri" panose="020F0502020204030204" pitchFamily="34" charset="0"/>
+              </a:rPr>
+              <a:t>rd</a:t>
+            </a:r>
+            <a:r>
+              <a:rPr lang="en-US" sz="900" dirty="0">
+                <a:ln w="0"/>
+                <a:solidFill>
+                  <a:schemeClr val="tx1"/>
+                </a:solidFill>
+                <a:effectLst>
+                  <a:outerShdw blurRad="38100" dist="19050" dir="2700000" algn="tl" rotWithShape="0">
+                    <a:schemeClr val="dk1">
+                      <a:alpha val="40000"/>
+                    </a:schemeClr>
+                  </a:outerShdw>
+                </a:effectLst>
+                <a:latin typeface="Calibri" panose="020F0502020204030204" pitchFamily="34" charset="0"/>
+                <a:ea typeface="Calibri" panose="020F0502020204030204" pitchFamily="34" charset="0"/>
+              </a:rPr>
+              <a:t> party </a:t>
+            </a:r>
+            <a:r>
+              <a:rPr lang="en-US" sz="900" dirty="0" err="1">
+                <a:ln w="0"/>
+                <a:solidFill>
+                  <a:schemeClr val="tx1"/>
+                </a:solidFill>
+                <a:effectLst>
+                  <a:outerShdw blurRad="38100" dist="19050" dir="2700000" algn="tl" rotWithShape="0">
+                    <a:schemeClr val="dk1">
+                      <a:alpha val="40000"/>
+                    </a:schemeClr>
+                  </a:outerShdw>
+                </a:effectLst>
+                <a:latin typeface="Calibri" panose="020F0502020204030204" pitchFamily="34" charset="0"/>
+                <a:ea typeface="Calibri" panose="020F0502020204030204" pitchFamily="34" charset="0"/>
+              </a:rPr>
+              <a:t>devops</a:t>
+            </a:r>
+            <a:r>
+              <a:rPr lang="en-US" sz="900" dirty="0">
+                <a:ln w="0"/>
+                <a:solidFill>
+                  <a:schemeClr val="tx1"/>
+                </a:solidFill>
+                <a:effectLst>
+                  <a:outerShdw blurRad="38100" dist="19050" dir="2700000" algn="tl" rotWithShape="0">
+                    <a:schemeClr val="dk1">
+                      <a:alpha val="40000"/>
+                    </a:schemeClr>
+                  </a:outerShdw>
+                </a:effectLst>
+                <a:latin typeface="Calibri" panose="020F0502020204030204" pitchFamily="34" charset="0"/>
+                <a:ea typeface="Calibri" panose="020F0502020204030204" pitchFamily="34" charset="0"/>
+              </a:rPr>
+              <a:t> extension gave the flexibility to move only the changed artifacts across environments and build releases accordingly.</a:t>
+            </a:r>
+          </a:p>
+          <a:p>
+            <a:pPr marL="0" marR="0">
+              <a:spcBef>
+                <a:spcPts val="0"/>
+              </a:spcBef>
+              <a:spcAft>
+                <a:spcPts val="0"/>
+              </a:spcAft>
+            </a:pPr>
+            <a:r>
+              <a:rPr lang="en-US" sz="900" dirty="0">
+                <a:ln w="0"/>
+                <a:solidFill>
+                  <a:schemeClr val="tx1"/>
+                </a:solidFill>
+                <a:effectLst>
+                  <a:outerShdw blurRad="38100" dist="19050" dir="2700000" algn="tl" rotWithShape="0">
+                    <a:schemeClr val="dk1">
+                      <a:alpha val="40000"/>
+                    </a:schemeClr>
+                  </a:outerShdw>
+                </a:effectLst>
+                <a:latin typeface="Calibri" panose="020F0502020204030204" pitchFamily="34" charset="0"/>
+                <a:ea typeface="Calibri" panose="020F0502020204030204" pitchFamily="34" charset="0"/>
+              </a:rPr>
+              <a:t> </a:t>
+            </a:r>
+          </a:p>
+          <a:p>
+            <a:pPr marL="0" marR="0">
+              <a:spcBef>
+                <a:spcPts val="0"/>
+              </a:spcBef>
+              <a:spcAft>
+                <a:spcPts val="0"/>
+              </a:spcAft>
+            </a:pPr>
+            <a:r>
+              <a:rPr lang="en-US" sz="900" u="sng" dirty="0">
+                <a:ln w="0"/>
+                <a:solidFill>
+                  <a:schemeClr val="tx1"/>
+                </a:solidFill>
+                <a:effectLst>
+                  <a:outerShdw blurRad="38100" dist="19050" dir="2700000" algn="tl" rotWithShape="0">
+                    <a:schemeClr val="dk1">
+                      <a:alpha val="40000"/>
+                    </a:schemeClr>
+                  </a:outerShdw>
+                </a:effectLst>
+                <a:latin typeface="Calibri" panose="020F0502020204030204" pitchFamily="34" charset="0"/>
+                <a:ea typeface="Calibri" panose="020F0502020204030204" pitchFamily="34" charset="0"/>
+                <a:hlinkClick r:id="rId2"/>
+              </a:rPr>
+              <a:t>https://github.com/liprec/vsts-publish-adf</a:t>
+            </a:r>
+            <a:endParaRPr lang="en-US" sz="900" dirty="0">
+              <a:ln w="0"/>
+              <a:solidFill>
+                <a:schemeClr val="tx1"/>
+              </a:solidFill>
+              <a:effectLst>
+                <a:outerShdw blurRad="38100" dist="19050" dir="2700000" algn="tl" rotWithShape="0">
+                  <a:schemeClr val="dk1">
+                    <a:alpha val="40000"/>
+                  </a:schemeClr>
+                </a:outerShdw>
+              </a:effectLst>
+              <a:latin typeface="Calibri" panose="020F0502020204030204" pitchFamily="34" charset="0"/>
+              <a:ea typeface="Calibri" panose="020F0502020204030204" pitchFamily="34" charset="0"/>
+            </a:endParaRPr>
+          </a:p>
+          <a:p>
+            <a:pPr marL="0" marR="0">
+              <a:spcBef>
+                <a:spcPts val="0"/>
+              </a:spcBef>
+              <a:spcAft>
+                <a:spcPts val="0"/>
+              </a:spcAft>
+            </a:pPr>
+            <a:r>
+              <a:rPr lang="en-US" sz="900" dirty="0">
+                <a:ln w="0"/>
+                <a:solidFill>
+                  <a:schemeClr val="tx1"/>
+                </a:solidFill>
+                <a:effectLst>
+                  <a:outerShdw blurRad="38100" dist="19050" dir="2700000" algn="tl" rotWithShape="0">
+                    <a:schemeClr val="dk1">
+                      <a:alpha val="40000"/>
+                    </a:schemeClr>
+                  </a:outerShdw>
+                </a:effectLst>
+                <a:latin typeface="Calibri" panose="020F0502020204030204" pitchFamily="34" charset="0"/>
+                <a:ea typeface="Calibri" panose="020F0502020204030204" pitchFamily="34" charset="0"/>
+              </a:rPr>
+              <a:t> </a:t>
+            </a:r>
+          </a:p>
+          <a:p>
+            <a:pPr marL="0" marR="0">
+              <a:spcBef>
+                <a:spcPts val="0"/>
+              </a:spcBef>
+              <a:spcAft>
+                <a:spcPts val="0"/>
+              </a:spcAft>
+            </a:pPr>
+            <a:r>
+              <a:rPr lang="en-US" sz="900" dirty="0">
+                <a:ln w="0"/>
+                <a:solidFill>
+                  <a:schemeClr val="tx1"/>
+                </a:solidFill>
+                <a:effectLst>
+                  <a:outerShdw blurRad="38100" dist="19050" dir="2700000" algn="tl" rotWithShape="0">
+                    <a:schemeClr val="dk1">
+                      <a:alpha val="40000"/>
+                    </a:schemeClr>
+                  </a:outerShdw>
+                </a:effectLst>
+                <a:latin typeface="Calibri" panose="020F0502020204030204" pitchFamily="34" charset="0"/>
+                <a:ea typeface="Calibri" panose="020F0502020204030204" pitchFamily="34" charset="0"/>
+              </a:rPr>
+              <a:t>I have been working with a customer using this to automate their process. </a:t>
+            </a:r>
+          </a:p>
+          <a:p>
+            <a:pPr marL="0" marR="0">
+              <a:spcBef>
+                <a:spcPts val="0"/>
+              </a:spcBef>
+              <a:spcAft>
+                <a:spcPts val="0"/>
+              </a:spcAft>
+            </a:pPr>
+            <a:r>
+              <a:rPr lang="en-US" sz="900" dirty="0">
+                <a:ln w="0"/>
+                <a:solidFill>
+                  <a:schemeClr val="tx1"/>
+                </a:solidFill>
+                <a:effectLst>
+                  <a:outerShdw blurRad="38100" dist="19050" dir="2700000" algn="tl" rotWithShape="0">
+                    <a:schemeClr val="dk1">
+                      <a:alpha val="40000"/>
+                    </a:schemeClr>
+                  </a:outerShdw>
+                </a:effectLst>
+                <a:latin typeface="Calibri" panose="020F0502020204030204" pitchFamily="34" charset="0"/>
+                <a:ea typeface="Calibri" panose="020F0502020204030204" pitchFamily="34" charset="0"/>
+              </a:rPr>
+              <a:t> </a:t>
+            </a:r>
+          </a:p>
+          <a:p>
+            <a:pPr marL="342900" marR="0" lvl="0" indent="-342900">
+              <a:spcBef>
+                <a:spcPts val="0"/>
+              </a:spcBef>
+              <a:spcAft>
+                <a:spcPts val="0"/>
+              </a:spcAft>
+              <a:buFont typeface="Symbol" panose="05050102010706020507" pitchFamily="18" charset="2"/>
+              <a:buChar char=""/>
+            </a:pPr>
+            <a:r>
+              <a:rPr lang="en-US" sz="900" dirty="0">
+                <a:ln w="0"/>
+                <a:solidFill>
+                  <a:schemeClr val="tx1"/>
+                </a:solidFill>
+                <a:effectLst>
+                  <a:outerShdw blurRad="38100" dist="19050" dir="2700000" algn="tl" rotWithShape="0">
+                    <a:schemeClr val="dk1">
+                      <a:alpha val="40000"/>
+                    </a:schemeClr>
+                  </a:outerShdw>
+                </a:effectLst>
+                <a:latin typeface="Calibri" panose="020F0502020204030204" pitchFamily="34" charset="0"/>
+                <a:ea typeface="Times New Roman" panose="02020603050405020304" pitchFamily="18" charset="0"/>
+              </a:rPr>
+              <a:t>DEV data factory will be synced to GIT and </a:t>
+            </a:r>
+            <a:r>
+              <a:rPr lang="en-US" sz="900" dirty="0" err="1">
+                <a:ln w="0"/>
+                <a:solidFill>
+                  <a:schemeClr val="tx1"/>
+                </a:solidFill>
+                <a:effectLst>
+                  <a:outerShdw blurRad="38100" dist="19050" dir="2700000" algn="tl" rotWithShape="0">
+                    <a:schemeClr val="dk1">
+                      <a:alpha val="40000"/>
+                    </a:schemeClr>
+                  </a:outerShdw>
+                </a:effectLst>
+                <a:latin typeface="Calibri" panose="020F0502020204030204" pitchFamily="34" charset="0"/>
+                <a:ea typeface="Times New Roman" panose="02020603050405020304" pitchFamily="18" charset="0"/>
+              </a:rPr>
+              <a:t>collab_brach</a:t>
+            </a:r>
+            <a:r>
+              <a:rPr lang="en-US" sz="900" dirty="0">
+                <a:ln w="0"/>
+                <a:solidFill>
+                  <a:schemeClr val="tx1"/>
+                </a:solidFill>
+                <a:effectLst>
+                  <a:outerShdw blurRad="38100" dist="19050" dir="2700000" algn="tl" rotWithShape="0">
+                    <a:schemeClr val="dk1">
+                      <a:alpha val="40000"/>
+                    </a:schemeClr>
+                  </a:outerShdw>
+                </a:effectLst>
+                <a:latin typeface="Calibri" panose="020F0502020204030204" pitchFamily="34" charset="0"/>
+                <a:ea typeface="Times New Roman" panose="02020603050405020304" pitchFamily="18" charset="0"/>
+              </a:rPr>
+              <a:t> is set to DEV_MASTER. All the developers merge their changes to DEV_MASTER.</a:t>
+            </a:r>
+            <a:endParaRPr lang="en-US" sz="900" dirty="0">
+              <a:ln w="0"/>
+              <a:solidFill>
+                <a:schemeClr val="tx1"/>
+              </a:solidFill>
+              <a:effectLst>
+                <a:outerShdw blurRad="38100" dist="19050" dir="2700000" algn="tl" rotWithShape="0">
+                  <a:schemeClr val="dk1">
+                    <a:alpha val="40000"/>
+                  </a:schemeClr>
+                </a:outerShdw>
+              </a:effectLst>
+              <a:latin typeface="Calibri" panose="020F0502020204030204" pitchFamily="34" charset="0"/>
+              <a:ea typeface="Calibri" panose="020F0502020204030204" pitchFamily="34" charset="0"/>
+            </a:endParaRPr>
+          </a:p>
+          <a:p>
+            <a:pPr marL="342900" marR="0" lvl="0" indent="-342900">
+              <a:spcBef>
+                <a:spcPts val="0"/>
+              </a:spcBef>
+              <a:spcAft>
+                <a:spcPts val="0"/>
+              </a:spcAft>
+              <a:buFont typeface="Symbol" panose="05050102010706020507" pitchFamily="18" charset="2"/>
+              <a:buChar char=""/>
+            </a:pPr>
+            <a:r>
+              <a:rPr lang="en-US" sz="900" dirty="0">
+                <a:ln w="0"/>
+                <a:solidFill>
+                  <a:schemeClr val="tx1"/>
+                </a:solidFill>
+                <a:effectLst>
+                  <a:outerShdw blurRad="38100" dist="19050" dir="2700000" algn="tl" rotWithShape="0">
+                    <a:schemeClr val="dk1">
+                      <a:alpha val="40000"/>
+                    </a:schemeClr>
+                  </a:outerShdw>
+                </a:effectLst>
+                <a:latin typeface="Calibri" panose="020F0502020204030204" pitchFamily="34" charset="0"/>
+                <a:ea typeface="Times New Roman" panose="02020603050405020304" pitchFamily="18" charset="0"/>
+              </a:rPr>
+              <a:t>Based on the latest commit to this branch a release pipeline is triggered and only the recent changed files are fetched and used for moving them to other environment.</a:t>
+            </a:r>
+            <a:endParaRPr lang="en-US" sz="900" dirty="0">
+              <a:ln w="0"/>
+              <a:solidFill>
+                <a:schemeClr val="tx1"/>
+              </a:solidFill>
+              <a:effectLst>
+                <a:outerShdw blurRad="38100" dist="19050" dir="2700000" algn="tl" rotWithShape="0">
+                  <a:schemeClr val="dk1">
+                    <a:alpha val="40000"/>
+                  </a:schemeClr>
+                </a:outerShdw>
+              </a:effectLst>
+              <a:latin typeface="Calibri" panose="020F0502020204030204" pitchFamily="34" charset="0"/>
+              <a:ea typeface="Calibri" panose="020F0502020204030204" pitchFamily="34" charset="0"/>
+            </a:endParaRPr>
+          </a:p>
+          <a:p>
+            <a:pPr marL="342900" marR="0" lvl="0" indent="-342900">
+              <a:spcBef>
+                <a:spcPts val="0"/>
+              </a:spcBef>
+              <a:spcAft>
+                <a:spcPts val="0"/>
+              </a:spcAft>
+              <a:buFont typeface="Symbol" panose="05050102010706020507" pitchFamily="18" charset="2"/>
+              <a:buChar char=""/>
+            </a:pPr>
+            <a:r>
+              <a:rPr lang="en-US" sz="900" dirty="0">
+                <a:ln w="0"/>
+                <a:solidFill>
+                  <a:schemeClr val="tx1"/>
+                </a:solidFill>
+                <a:effectLst>
+                  <a:outerShdw blurRad="38100" dist="19050" dir="2700000" algn="tl" rotWithShape="0">
+                    <a:schemeClr val="dk1">
+                      <a:alpha val="40000"/>
+                    </a:schemeClr>
+                  </a:outerShdw>
+                </a:effectLst>
+                <a:latin typeface="Calibri" panose="020F0502020204030204" pitchFamily="34" charset="0"/>
+                <a:ea typeface="Times New Roman" panose="02020603050405020304" pitchFamily="18" charset="0"/>
+              </a:rPr>
+              <a:t>Pipeline steps usually would be update json values to reflect stage environment naming convention, stop triggers, deploy updated datasets or pipelines, enable triggers.</a:t>
+            </a:r>
+            <a:endParaRPr lang="en-US" sz="900" dirty="0">
+              <a:ln w="0"/>
+              <a:solidFill>
+                <a:schemeClr val="tx1"/>
+              </a:solidFill>
+              <a:effectLst>
+                <a:outerShdw blurRad="38100" dist="19050" dir="2700000" algn="tl" rotWithShape="0">
+                  <a:schemeClr val="dk1">
+                    <a:alpha val="40000"/>
+                  </a:schemeClr>
+                </a:outerShdw>
+              </a:effectLst>
+              <a:latin typeface="Calibri" panose="020F0502020204030204" pitchFamily="34" charset="0"/>
+              <a:ea typeface="Calibri" panose="020F0502020204030204" pitchFamily="34" charset="0"/>
+            </a:endParaRPr>
+          </a:p>
+          <a:p>
+            <a:pPr marL="342900" marR="0" lvl="0" indent="-342900">
+              <a:spcBef>
+                <a:spcPts val="0"/>
+              </a:spcBef>
+              <a:spcAft>
+                <a:spcPts val="0"/>
+              </a:spcAft>
+              <a:buFont typeface="Symbol" panose="05050102010706020507" pitchFamily="18" charset="2"/>
+              <a:buChar char=""/>
+            </a:pPr>
+            <a:r>
+              <a:rPr lang="en-US" sz="900" dirty="0">
+                <a:ln w="0"/>
+                <a:solidFill>
+                  <a:schemeClr val="tx1"/>
+                </a:solidFill>
+                <a:effectLst>
+                  <a:outerShdw blurRad="38100" dist="19050" dir="2700000" algn="tl" rotWithShape="0">
+                    <a:schemeClr val="dk1">
+                      <a:alpha val="40000"/>
+                    </a:schemeClr>
+                  </a:outerShdw>
+                </a:effectLst>
+                <a:latin typeface="Calibri" panose="020F0502020204030204" pitchFamily="34" charset="0"/>
+                <a:ea typeface="Times New Roman" panose="02020603050405020304" pitchFamily="18" charset="0"/>
+              </a:rPr>
+              <a:t>Once testing is successful they create a pull request to merge the changes to PROD_MASTER. </a:t>
+            </a:r>
+            <a:endParaRPr lang="en-US" sz="900" dirty="0">
+              <a:ln w="0"/>
+              <a:solidFill>
+                <a:schemeClr val="tx1"/>
+              </a:solidFill>
+              <a:effectLst>
+                <a:outerShdw blurRad="38100" dist="19050" dir="2700000" algn="tl" rotWithShape="0">
+                  <a:schemeClr val="dk1">
+                    <a:alpha val="40000"/>
+                  </a:schemeClr>
+                </a:outerShdw>
+              </a:effectLst>
+              <a:latin typeface="Calibri" panose="020F0502020204030204" pitchFamily="34" charset="0"/>
+              <a:ea typeface="Calibri" panose="020F0502020204030204" pitchFamily="34" charset="0"/>
+            </a:endParaRPr>
+          </a:p>
+          <a:p>
+            <a:pPr marL="342900" marR="0" lvl="0" indent="-342900">
+              <a:spcBef>
+                <a:spcPts val="0"/>
+              </a:spcBef>
+              <a:spcAft>
+                <a:spcPts val="0"/>
+              </a:spcAft>
+              <a:buFont typeface="Symbol" panose="05050102010706020507" pitchFamily="18" charset="2"/>
+              <a:buChar char=""/>
+            </a:pPr>
+            <a:r>
+              <a:rPr lang="en-US" sz="900" dirty="0">
+                <a:ln w="0"/>
+                <a:solidFill>
+                  <a:schemeClr val="tx1"/>
+                </a:solidFill>
+                <a:effectLst>
+                  <a:outerShdw blurRad="38100" dist="19050" dir="2700000" algn="tl" rotWithShape="0">
+                    <a:schemeClr val="dk1">
+                      <a:alpha val="40000"/>
+                    </a:schemeClr>
+                  </a:outerShdw>
+                </a:effectLst>
+                <a:latin typeface="Calibri" panose="020F0502020204030204" pitchFamily="34" charset="0"/>
+                <a:ea typeface="Times New Roman" panose="02020603050405020304" pitchFamily="18" charset="0"/>
+              </a:rPr>
+              <a:t>Same pipeline will be used to pull recent changes from PROD_MASTER and push the changes to prod ADF.</a:t>
+            </a:r>
+            <a:endParaRPr lang="en-US" sz="900" dirty="0">
+              <a:ln w="0"/>
+              <a:solidFill>
+                <a:schemeClr val="tx1"/>
+              </a:solidFill>
+              <a:effectLst>
+                <a:outerShdw blurRad="38100" dist="19050" dir="2700000" algn="tl" rotWithShape="0">
+                  <a:schemeClr val="dk1">
+                    <a:alpha val="40000"/>
+                  </a:schemeClr>
+                </a:outerShdw>
+              </a:effectLst>
+              <a:latin typeface="Calibri" panose="020F0502020204030204" pitchFamily="34" charset="0"/>
+              <a:ea typeface="Calibri" panose="020F0502020204030204" pitchFamily="34" charset="0"/>
+            </a:endParaRPr>
+          </a:p>
+          <a:p>
+            <a:pPr marL="0" marR="0">
+              <a:spcBef>
+                <a:spcPts val="0"/>
+              </a:spcBef>
+              <a:spcAft>
+                <a:spcPts val="0"/>
+              </a:spcAft>
+            </a:pPr>
+            <a:r>
+              <a:rPr lang="en-US" sz="900" dirty="0">
+                <a:ln w="0"/>
+                <a:solidFill>
+                  <a:schemeClr val="tx1"/>
+                </a:solidFill>
+                <a:effectLst>
+                  <a:outerShdw blurRad="38100" dist="19050" dir="2700000" algn="tl" rotWithShape="0">
+                    <a:schemeClr val="dk1">
+                      <a:alpha val="40000"/>
+                    </a:schemeClr>
+                  </a:outerShdw>
+                </a:effectLst>
+                <a:latin typeface="Calibri" panose="020F0502020204030204" pitchFamily="34" charset="0"/>
+                <a:ea typeface="Calibri" panose="020F0502020204030204" pitchFamily="34" charset="0"/>
+              </a:rPr>
+              <a:t> </a:t>
+            </a:r>
+          </a:p>
+          <a:p>
+            <a:pPr marL="0" marR="0">
+              <a:spcBef>
+                <a:spcPts val="0"/>
+              </a:spcBef>
+              <a:spcAft>
+                <a:spcPts val="0"/>
+              </a:spcAft>
+            </a:pPr>
+            <a:r>
+              <a:rPr lang="en-US" sz="900" dirty="0">
+                <a:ln w="0"/>
+                <a:solidFill>
+                  <a:schemeClr val="tx1"/>
+                </a:solidFill>
+                <a:effectLst>
+                  <a:outerShdw blurRad="38100" dist="19050" dir="2700000" algn="tl" rotWithShape="0">
+                    <a:schemeClr val="dk1">
+                      <a:alpha val="40000"/>
+                    </a:schemeClr>
+                  </a:outerShdw>
+                </a:effectLst>
+                <a:latin typeface="Calibri" panose="020F0502020204030204" pitchFamily="34" charset="0"/>
+                <a:ea typeface="Calibri" panose="020F0502020204030204" pitchFamily="34" charset="0"/>
+              </a:rPr>
+              <a:t>This approach was flexible for the customer and gave control as they can move only the changed json files and not the entire arm templates.</a:t>
+            </a:r>
+          </a:p>
+        </p:txBody>
+      </p:sp>
+      <p:sp>
+        <p:nvSpPr>
+          <p:cNvPr id="39" name="Rectangle 38">
+            <a:extLst>
+              <a:ext uri="{FF2B5EF4-FFF2-40B4-BE49-F238E27FC236}">
+                <a16:creationId xmlns:a16="http://schemas.microsoft.com/office/drawing/2014/main" id="{243C9861-1984-425A-8031-FF89F62956E7}"/>
+              </a:ext>
+            </a:extLst>
+          </p:cNvPr>
+          <p:cNvSpPr/>
+          <p:nvPr/>
+        </p:nvSpPr>
+        <p:spPr>
+          <a:xfrm>
+            <a:off x="5284353" y="-2104142"/>
+            <a:ext cx="9017669" cy="4841801"/>
+          </a:xfrm>
+          <a:prstGeom prst="rect">
+            <a:avLst/>
+          </a:prstGeom>
+          <a:solidFill>
+            <a:schemeClr val="accent6">
+              <a:alpha val="50000"/>
+            </a:schemeClr>
+          </a:solidFill>
+          <a:ln>
+            <a:noFill/>
+          </a:ln>
+        </p:spPr>
+        <p:style>
+          <a:lnRef idx="0">
+            <a:scrgbClr r="0" g="0" b="0"/>
+          </a:lnRef>
+          <a:fillRef idx="0">
+            <a:scrgbClr r="0" g="0" b="0"/>
+          </a:fillRef>
+          <a:effectRef idx="0">
+            <a:scrgbClr r="0" g="0" b="0"/>
+          </a:effectRef>
+          <a:fontRef idx="minor">
+            <a:schemeClr val="lt1"/>
+          </a:fontRef>
+        </p:style>
+        <p:txBody>
+          <a:bodyPr rtlCol="0" anchor="ctr"/>
+          <a:lstStyle/>
+          <a:p>
+            <a:pPr marL="0" marR="0">
+              <a:spcBef>
+                <a:spcPts val="0"/>
+              </a:spcBef>
+              <a:spcAft>
+                <a:spcPts val="0"/>
+              </a:spcAft>
+            </a:pPr>
+            <a:r>
+              <a:rPr lang="en-US" sz="700" u="none" strike="noStrike" dirty="0">
+                <a:ln w="0"/>
+                <a:solidFill>
+                  <a:schemeClr val="tx1"/>
+                </a:solidFill>
+                <a:effectLst>
+                  <a:outerShdw blurRad="38100" dist="19050" dir="2700000" algn="tl" rotWithShape="0">
+                    <a:schemeClr val="dk1">
+                      <a:alpha val="40000"/>
+                    </a:schemeClr>
+                  </a:outerShdw>
+                </a:effectLst>
+                <a:latin typeface="Calibri" panose="020F0502020204030204" pitchFamily="34" charset="0"/>
+                <a:ea typeface="Calibri" panose="020F0502020204030204" pitchFamily="34" charset="0"/>
+                <a:hlinkClick r:id="rId3"/>
+              </a:rPr>
+              <a:t>@Adam Paternostro</a:t>
+            </a:r>
+            <a:r>
+              <a:rPr lang="en-US" sz="700" dirty="0">
+                <a:ln w="0"/>
+                <a:solidFill>
+                  <a:schemeClr val="tx1"/>
+                </a:solidFill>
+                <a:effectLst>
+                  <a:outerShdw blurRad="38100" dist="19050" dir="2700000" algn="tl" rotWithShape="0">
+                    <a:schemeClr val="dk1">
+                      <a:alpha val="40000"/>
+                    </a:schemeClr>
+                  </a:outerShdw>
+                </a:effectLst>
+                <a:latin typeface="Calibri" panose="020F0502020204030204" pitchFamily="34" charset="0"/>
+                <a:ea typeface="Calibri" panose="020F0502020204030204" pitchFamily="34" charset="0"/>
+              </a:rPr>
+              <a:t>, are you saying you want multiple </a:t>
+            </a:r>
+            <a:r>
+              <a:rPr lang="en-US" sz="700" dirty="0" err="1">
+                <a:ln w="0"/>
+                <a:solidFill>
+                  <a:schemeClr val="tx1"/>
+                </a:solidFill>
+                <a:effectLst>
+                  <a:outerShdw blurRad="38100" dist="19050" dir="2700000" algn="tl" rotWithShape="0">
+                    <a:schemeClr val="dk1">
+                      <a:alpha val="40000"/>
+                    </a:schemeClr>
+                  </a:outerShdw>
+                </a:effectLst>
+                <a:latin typeface="Calibri" panose="020F0502020204030204" pitchFamily="34" charset="0"/>
+                <a:ea typeface="Calibri" panose="020F0502020204030204" pitchFamily="34" charset="0"/>
+              </a:rPr>
+              <a:t>adf_publish</a:t>
+            </a:r>
+            <a:r>
+              <a:rPr lang="en-US" sz="700" dirty="0">
+                <a:ln w="0"/>
+                <a:solidFill>
+                  <a:schemeClr val="tx1"/>
+                </a:solidFill>
+                <a:effectLst>
+                  <a:outerShdw blurRad="38100" dist="19050" dir="2700000" algn="tl" rotWithShape="0">
+                    <a:schemeClr val="dk1">
+                      <a:alpha val="40000"/>
+                    </a:schemeClr>
+                  </a:outerShdw>
+                </a:effectLst>
+                <a:latin typeface="Calibri" panose="020F0502020204030204" pitchFamily="34" charset="0"/>
+                <a:ea typeface="Calibri" panose="020F0502020204030204" pitchFamily="34" charset="0"/>
+              </a:rPr>
+              <a:t> branches per ADF, or for different ADFs? We anyway drop ARM templates for different ADFs in different folders.</a:t>
+            </a:r>
+          </a:p>
+          <a:p>
+            <a:pPr marL="0" marR="0">
+              <a:spcBef>
+                <a:spcPts val="0"/>
+              </a:spcBef>
+              <a:spcAft>
+                <a:spcPts val="0"/>
+              </a:spcAft>
+            </a:pPr>
+            <a:r>
+              <a:rPr lang="en-US" sz="700" dirty="0">
+                <a:ln w="0"/>
+                <a:solidFill>
+                  <a:schemeClr val="tx1"/>
+                </a:solidFill>
+                <a:effectLst>
+                  <a:outerShdw blurRad="38100" dist="19050" dir="2700000" algn="tl" rotWithShape="0">
+                    <a:schemeClr val="dk1">
+                      <a:alpha val="40000"/>
+                    </a:schemeClr>
+                  </a:outerShdw>
+                </a:effectLst>
+                <a:latin typeface="Calibri" panose="020F0502020204030204" pitchFamily="34" charset="0"/>
+                <a:ea typeface="Calibri" panose="020F0502020204030204" pitchFamily="34" charset="0"/>
+              </a:rPr>
+              <a:t> </a:t>
+            </a:r>
+          </a:p>
+          <a:p>
+            <a:pPr marL="0" marR="0">
+              <a:spcBef>
+                <a:spcPts val="0"/>
+              </a:spcBef>
+              <a:spcAft>
+                <a:spcPts val="0"/>
+              </a:spcAft>
+            </a:pPr>
+            <a:r>
+              <a:rPr lang="en-US" sz="700" dirty="0">
+                <a:ln w="0"/>
+                <a:solidFill>
+                  <a:schemeClr val="tx1"/>
+                </a:solidFill>
+                <a:effectLst>
+                  <a:outerShdw blurRad="38100" dist="19050" dir="2700000" algn="tl" rotWithShape="0">
+                    <a:schemeClr val="dk1">
+                      <a:alpha val="40000"/>
+                    </a:schemeClr>
+                  </a:outerShdw>
+                </a:effectLst>
+                <a:latin typeface="Calibri" panose="020F0502020204030204" pitchFamily="34" charset="0"/>
+                <a:ea typeface="Calibri" panose="020F0502020204030204" pitchFamily="34" charset="0"/>
+              </a:rPr>
+              <a:t>Also you can configure </a:t>
+            </a:r>
+            <a:r>
+              <a:rPr lang="en-US" sz="700" dirty="0" err="1">
+                <a:ln w="0"/>
+                <a:solidFill>
+                  <a:schemeClr val="tx1"/>
+                </a:solidFill>
+                <a:effectLst>
+                  <a:outerShdw blurRad="38100" dist="19050" dir="2700000" algn="tl" rotWithShape="0">
+                    <a:schemeClr val="dk1">
+                      <a:alpha val="40000"/>
+                    </a:schemeClr>
+                  </a:outerShdw>
+                </a:effectLst>
+                <a:latin typeface="Calibri" panose="020F0502020204030204" pitchFamily="34" charset="0"/>
+                <a:ea typeface="Calibri" panose="020F0502020204030204" pitchFamily="34" charset="0"/>
+              </a:rPr>
+              <a:t>adf_publish</a:t>
+            </a:r>
+            <a:r>
+              <a:rPr lang="en-US" sz="700" dirty="0">
+                <a:ln w="0"/>
+                <a:solidFill>
+                  <a:schemeClr val="tx1"/>
+                </a:solidFill>
+                <a:effectLst>
+                  <a:outerShdw blurRad="38100" dist="19050" dir="2700000" algn="tl" rotWithShape="0">
+                    <a:schemeClr val="dk1">
+                      <a:alpha val="40000"/>
+                    </a:schemeClr>
+                  </a:outerShdw>
+                </a:effectLst>
+                <a:latin typeface="Calibri" panose="020F0502020204030204" pitchFamily="34" charset="0"/>
+                <a:ea typeface="Calibri" panose="020F0502020204030204" pitchFamily="34" charset="0"/>
+              </a:rPr>
+              <a:t> to be different for different factories. Here is the documentation for the same</a:t>
+            </a:r>
+            <a:br>
+              <a:rPr lang="en-US" sz="700" dirty="0">
+                <a:ln w="0"/>
+                <a:solidFill>
+                  <a:schemeClr val="tx1"/>
+                </a:solidFill>
+                <a:effectLst>
+                  <a:outerShdw blurRad="38100" dist="19050" dir="2700000" algn="tl" rotWithShape="0">
+                    <a:schemeClr val="dk1">
+                      <a:alpha val="40000"/>
+                    </a:schemeClr>
+                  </a:outerShdw>
+                </a:effectLst>
+                <a:latin typeface="Calibri" panose="020F0502020204030204" pitchFamily="34" charset="0"/>
+                <a:ea typeface="Calibri" panose="020F0502020204030204" pitchFamily="34" charset="0"/>
+              </a:rPr>
+            </a:br>
+            <a:r>
+              <a:rPr lang="en-US" sz="700" u="sng" dirty="0">
+                <a:ln w="0"/>
+                <a:solidFill>
+                  <a:schemeClr val="tx1"/>
+                </a:solidFill>
+                <a:effectLst>
+                  <a:outerShdw blurRad="38100" dist="19050" dir="2700000" algn="tl" rotWithShape="0">
+                    <a:schemeClr val="dk1">
+                      <a:alpha val="40000"/>
+                    </a:schemeClr>
+                  </a:outerShdw>
+                </a:effectLst>
+                <a:latin typeface="Calibri" panose="020F0502020204030204" pitchFamily="34" charset="0"/>
+                <a:ea typeface="Calibri" panose="020F0502020204030204" pitchFamily="34" charset="0"/>
+                <a:hlinkClick r:id="rId4"/>
+              </a:rPr>
+              <a:t>https://docs.microsoft.com/en-us/azure/data-factory/source-control#configure-publishing-settings</a:t>
+            </a:r>
+            <a:endParaRPr lang="en-US" sz="700" dirty="0">
+              <a:ln w="0"/>
+              <a:solidFill>
+                <a:schemeClr val="tx1"/>
+              </a:solidFill>
+              <a:effectLst>
+                <a:outerShdw blurRad="38100" dist="19050" dir="2700000" algn="tl" rotWithShape="0">
+                  <a:schemeClr val="dk1">
+                    <a:alpha val="40000"/>
+                  </a:schemeClr>
+                </a:outerShdw>
+              </a:effectLst>
+              <a:latin typeface="Calibri" panose="020F0502020204030204" pitchFamily="34" charset="0"/>
+              <a:ea typeface="Calibri" panose="020F0502020204030204" pitchFamily="34" charset="0"/>
+            </a:endParaRPr>
+          </a:p>
+          <a:p>
+            <a:pPr marL="0" marR="0">
+              <a:spcBef>
+                <a:spcPts val="0"/>
+              </a:spcBef>
+              <a:spcAft>
+                <a:spcPts val="0"/>
+              </a:spcAft>
+            </a:pPr>
+            <a:r>
+              <a:rPr lang="en-US" sz="700" dirty="0">
+                <a:ln w="0"/>
+                <a:solidFill>
+                  <a:schemeClr val="tx1"/>
+                </a:solidFill>
+                <a:effectLst>
+                  <a:outerShdw blurRad="38100" dist="19050" dir="2700000" algn="tl" rotWithShape="0">
+                    <a:schemeClr val="dk1">
+                      <a:alpha val="40000"/>
+                    </a:schemeClr>
+                  </a:outerShdw>
+                </a:effectLst>
+                <a:latin typeface="Calibri" panose="020F0502020204030204" pitchFamily="34" charset="0"/>
+                <a:ea typeface="Calibri" panose="020F0502020204030204" pitchFamily="34" charset="0"/>
+              </a:rPr>
+              <a:t> </a:t>
+            </a:r>
+          </a:p>
+          <a:p>
+            <a:pPr marL="0" marR="0">
+              <a:spcBef>
+                <a:spcPts val="0"/>
+              </a:spcBef>
+              <a:spcAft>
+                <a:spcPts val="0"/>
+              </a:spcAft>
+            </a:pPr>
+            <a:r>
+              <a:rPr lang="en-US" sz="700" dirty="0">
+                <a:ln w="0"/>
+                <a:solidFill>
+                  <a:schemeClr val="tx1"/>
+                </a:solidFill>
+                <a:effectLst>
+                  <a:outerShdw blurRad="38100" dist="19050" dir="2700000" algn="tl" rotWithShape="0">
+                    <a:schemeClr val="dk1">
+                      <a:alpha val="40000"/>
+                    </a:schemeClr>
+                  </a:outerShdw>
+                </a:effectLst>
+                <a:latin typeface="Calibri" panose="020F0502020204030204" pitchFamily="34" charset="0"/>
+                <a:ea typeface="Calibri" panose="020F0502020204030204" pitchFamily="34" charset="0"/>
+              </a:rPr>
+              <a:t>Using single factory or multiple, that actually depends on your teams. Usually one repo – one factory is best, but ADF is also designed to support one folder per factory where as multiple factories are can be in same repo.</a:t>
+            </a:r>
+          </a:p>
+          <a:p>
+            <a:pPr marL="0" marR="0">
+              <a:spcBef>
+                <a:spcPts val="0"/>
+              </a:spcBef>
+              <a:spcAft>
+                <a:spcPts val="0"/>
+              </a:spcAft>
+            </a:pPr>
+            <a:r>
+              <a:rPr lang="en-US" sz="700" dirty="0">
+                <a:ln w="0"/>
+                <a:solidFill>
+                  <a:schemeClr val="tx1"/>
+                </a:solidFill>
+                <a:effectLst>
+                  <a:outerShdw blurRad="38100" dist="19050" dir="2700000" algn="tl" rotWithShape="0">
+                    <a:schemeClr val="dk1">
+                      <a:alpha val="40000"/>
+                    </a:schemeClr>
+                  </a:outerShdw>
+                </a:effectLst>
+                <a:latin typeface="Calibri" panose="020F0502020204030204" pitchFamily="34" charset="0"/>
+                <a:ea typeface="Calibri" panose="020F0502020204030204" pitchFamily="34" charset="0"/>
+              </a:rPr>
+              <a:t> </a:t>
+            </a:r>
+          </a:p>
+          <a:p>
+            <a:pPr marL="0" marR="0">
+              <a:spcBef>
+                <a:spcPts val="0"/>
+              </a:spcBef>
+              <a:spcAft>
+                <a:spcPts val="0"/>
+              </a:spcAft>
+            </a:pPr>
+            <a:r>
+              <a:rPr lang="en-US" sz="700" dirty="0">
+                <a:ln w="0"/>
+                <a:solidFill>
+                  <a:schemeClr val="tx1"/>
+                </a:solidFill>
+                <a:effectLst>
+                  <a:outerShdw blurRad="38100" dist="19050" dir="2700000" algn="tl" rotWithShape="0">
+                    <a:schemeClr val="dk1">
+                      <a:alpha val="40000"/>
+                    </a:schemeClr>
+                  </a:outerShdw>
+                </a:effectLst>
+                <a:latin typeface="Calibri" panose="020F0502020204030204" pitchFamily="34" charset="0"/>
+                <a:ea typeface="Calibri" panose="020F0502020204030204" pitchFamily="34" charset="0"/>
+              </a:rPr>
+              <a:t>Multiple teams working on the a code base is general practice (as long as code is related), which I am assuming in customer’s case is true.</a:t>
+            </a:r>
+          </a:p>
+          <a:p>
+            <a:pPr marL="0" marR="0">
+              <a:spcBef>
+                <a:spcPts val="0"/>
+              </a:spcBef>
+              <a:spcAft>
+                <a:spcPts val="0"/>
+              </a:spcAft>
+            </a:pPr>
+            <a:r>
+              <a:rPr lang="en-US" sz="700" dirty="0">
+                <a:ln w="0"/>
+                <a:solidFill>
+                  <a:schemeClr val="tx1"/>
+                </a:solidFill>
+                <a:effectLst>
+                  <a:outerShdw blurRad="38100" dist="19050" dir="2700000" algn="tl" rotWithShape="0">
+                    <a:schemeClr val="dk1">
+                      <a:alpha val="40000"/>
+                    </a:schemeClr>
+                  </a:outerShdw>
+                </a:effectLst>
+                <a:latin typeface="Calibri" panose="020F0502020204030204" pitchFamily="34" charset="0"/>
+                <a:ea typeface="Calibri" panose="020F0502020204030204" pitchFamily="34" charset="0"/>
+              </a:rPr>
+              <a:t> </a:t>
+            </a:r>
+          </a:p>
+          <a:p>
+            <a:pPr marL="0" marR="0">
+              <a:spcBef>
+                <a:spcPts val="0"/>
+              </a:spcBef>
+              <a:spcAft>
+                <a:spcPts val="0"/>
+              </a:spcAft>
+            </a:pPr>
+            <a:r>
+              <a:rPr lang="en-US" sz="700" dirty="0">
+                <a:ln w="0"/>
+                <a:solidFill>
+                  <a:schemeClr val="tx1"/>
+                </a:solidFill>
+                <a:effectLst>
+                  <a:outerShdw blurRad="38100" dist="19050" dir="2700000" algn="tl" rotWithShape="0">
+                    <a:schemeClr val="dk1">
+                      <a:alpha val="40000"/>
+                    </a:schemeClr>
+                  </a:outerShdw>
+                </a:effectLst>
+                <a:latin typeface="Calibri" panose="020F0502020204030204" pitchFamily="34" charset="0"/>
+                <a:ea typeface="Calibri" panose="020F0502020204030204" pitchFamily="34" charset="0"/>
+              </a:rPr>
+              <a:t>I will again start with comparing regular software with ADF</a:t>
+            </a:r>
+          </a:p>
+          <a:p>
+            <a:pPr marL="0" marR="0">
+              <a:spcBef>
+                <a:spcPts val="0"/>
+              </a:spcBef>
+              <a:spcAft>
+                <a:spcPts val="0"/>
+              </a:spcAft>
+            </a:pPr>
+            <a:r>
+              <a:rPr lang="en-US" sz="700" dirty="0">
+                <a:ln w="0"/>
+                <a:solidFill>
+                  <a:schemeClr val="tx1"/>
+                </a:solidFill>
+                <a:effectLst>
+                  <a:outerShdw blurRad="38100" dist="19050" dir="2700000" algn="tl" rotWithShape="0">
+                    <a:schemeClr val="dk1">
+                      <a:alpha val="40000"/>
+                    </a:schemeClr>
+                  </a:outerShdw>
+                </a:effectLst>
+                <a:latin typeface="Calibri" panose="020F0502020204030204" pitchFamily="34" charset="0"/>
+                <a:ea typeface="Calibri" panose="020F0502020204030204" pitchFamily="34" charset="0"/>
+              </a:rPr>
+              <a:t> </a:t>
+            </a:r>
+          </a:p>
+          <a:p>
+            <a:pPr marL="0" marR="0">
+              <a:spcBef>
+                <a:spcPts val="0"/>
+              </a:spcBef>
+              <a:spcAft>
+                <a:spcPts val="0"/>
+              </a:spcAft>
+            </a:pPr>
+            <a:r>
+              <a:rPr lang="en-US" sz="700" dirty="0">
+                <a:ln w="0"/>
+                <a:solidFill>
+                  <a:schemeClr val="tx1"/>
+                </a:solidFill>
+                <a:effectLst>
+                  <a:outerShdw blurRad="38100" dist="19050" dir="2700000" algn="tl" rotWithShape="0">
+                    <a:schemeClr val="dk1">
+                      <a:alpha val="40000"/>
+                    </a:schemeClr>
+                  </a:outerShdw>
+                </a:effectLst>
+                <a:latin typeface="Calibri" panose="020F0502020204030204" pitchFamily="34" charset="0"/>
+                <a:ea typeface="Calibri" panose="020F0502020204030204" pitchFamily="34" charset="0"/>
+              </a:rPr>
+              <a:t>Regular software development</a:t>
+            </a:r>
+          </a:p>
+          <a:p>
+            <a:pPr marL="342900" marR="0" lvl="0" indent="-342900">
+              <a:spcBef>
+                <a:spcPts val="0"/>
+              </a:spcBef>
+              <a:spcAft>
+                <a:spcPts val="0"/>
+              </a:spcAft>
+              <a:buFont typeface="Calibri" panose="020F0502020204030204" pitchFamily="34" charset="0"/>
+              <a:buChar char="-"/>
+            </a:pPr>
+            <a:r>
+              <a:rPr lang="en-US" sz="700" dirty="0">
+                <a:ln w="0"/>
+                <a:solidFill>
+                  <a:schemeClr val="tx1"/>
+                </a:solidFill>
+                <a:effectLst>
+                  <a:outerShdw blurRad="38100" dist="19050" dir="2700000" algn="tl" rotWithShape="0">
+                    <a:schemeClr val="dk1">
+                      <a:alpha val="40000"/>
+                    </a:schemeClr>
+                  </a:outerShdw>
+                </a:effectLst>
+                <a:latin typeface="Calibri" panose="020F0502020204030204" pitchFamily="34" charset="0"/>
+                <a:ea typeface="Times New Roman" panose="02020603050405020304" pitchFamily="18" charset="0"/>
+              </a:rPr>
+              <a:t>Multiple teams land their changes after testing in master</a:t>
+            </a:r>
+            <a:endParaRPr lang="en-US" sz="700" dirty="0">
+              <a:ln w="0"/>
+              <a:solidFill>
+                <a:schemeClr val="tx1"/>
+              </a:solidFill>
+              <a:effectLst>
+                <a:outerShdw blurRad="38100" dist="19050" dir="2700000" algn="tl" rotWithShape="0">
+                  <a:schemeClr val="dk1">
+                    <a:alpha val="40000"/>
+                  </a:schemeClr>
+                </a:outerShdw>
+              </a:effectLst>
+              <a:latin typeface="Calibri" panose="020F0502020204030204" pitchFamily="34" charset="0"/>
+              <a:ea typeface="Calibri" panose="020F0502020204030204" pitchFamily="34" charset="0"/>
+            </a:endParaRPr>
+          </a:p>
+          <a:p>
+            <a:pPr marL="342900" marR="0" lvl="0" indent="-342900">
+              <a:spcBef>
+                <a:spcPts val="0"/>
+              </a:spcBef>
+              <a:spcAft>
+                <a:spcPts val="0"/>
+              </a:spcAft>
+              <a:buFont typeface="Calibri" panose="020F0502020204030204" pitchFamily="34" charset="0"/>
+              <a:buChar char="-"/>
+            </a:pPr>
+            <a:r>
+              <a:rPr lang="en-US" sz="700" dirty="0">
+                <a:ln w="0"/>
+                <a:solidFill>
+                  <a:schemeClr val="tx1"/>
+                </a:solidFill>
+                <a:effectLst>
+                  <a:outerShdw blurRad="38100" dist="19050" dir="2700000" algn="tl" rotWithShape="0">
+                    <a:schemeClr val="dk1">
+                      <a:alpha val="40000"/>
+                    </a:schemeClr>
+                  </a:outerShdw>
+                </a:effectLst>
+                <a:latin typeface="Calibri" panose="020F0502020204030204" pitchFamily="34" charset="0"/>
+                <a:ea typeface="Times New Roman" panose="02020603050405020304" pitchFamily="18" charset="0"/>
+              </a:rPr>
+              <a:t>Still there could be some bad changes landed in master, release process catches it by means of testing.</a:t>
+            </a:r>
+            <a:endParaRPr lang="en-US" sz="700" dirty="0">
+              <a:ln w="0"/>
+              <a:solidFill>
+                <a:schemeClr val="tx1"/>
+              </a:solidFill>
+              <a:effectLst>
+                <a:outerShdw blurRad="38100" dist="19050" dir="2700000" algn="tl" rotWithShape="0">
+                  <a:schemeClr val="dk1">
+                    <a:alpha val="40000"/>
+                  </a:schemeClr>
+                </a:outerShdw>
+              </a:effectLst>
+              <a:latin typeface="Calibri" panose="020F0502020204030204" pitchFamily="34" charset="0"/>
+              <a:ea typeface="Calibri" panose="020F0502020204030204" pitchFamily="34" charset="0"/>
+            </a:endParaRPr>
+          </a:p>
+          <a:p>
+            <a:pPr marL="342900" marR="0" lvl="0" indent="-342900">
+              <a:spcBef>
+                <a:spcPts val="0"/>
+              </a:spcBef>
+              <a:spcAft>
+                <a:spcPts val="0"/>
+              </a:spcAft>
+              <a:buFont typeface="Calibri" panose="020F0502020204030204" pitchFamily="34" charset="0"/>
+              <a:buChar char="-"/>
+            </a:pPr>
+            <a:r>
+              <a:rPr lang="en-US" sz="700" dirty="0">
+                <a:ln w="0"/>
+                <a:solidFill>
+                  <a:schemeClr val="tx1"/>
+                </a:solidFill>
+                <a:effectLst>
+                  <a:outerShdw blurRad="38100" dist="19050" dir="2700000" algn="tl" rotWithShape="0">
+                    <a:schemeClr val="dk1">
+                      <a:alpha val="40000"/>
+                    </a:schemeClr>
+                  </a:outerShdw>
+                </a:effectLst>
+                <a:latin typeface="Calibri" panose="020F0502020204030204" pitchFamily="34" charset="0"/>
+                <a:ea typeface="Times New Roman" panose="02020603050405020304" pitchFamily="18" charset="0"/>
+              </a:rPr>
+              <a:t>Once bug is detected, developer prepares hotfix for the current release and fix the changes, it can be removing changes or making more changes.</a:t>
+            </a:r>
+            <a:endParaRPr lang="en-US" sz="700" dirty="0">
+              <a:ln w="0"/>
+              <a:solidFill>
+                <a:schemeClr val="tx1"/>
+              </a:solidFill>
+              <a:effectLst>
+                <a:outerShdw blurRad="38100" dist="19050" dir="2700000" algn="tl" rotWithShape="0">
+                  <a:schemeClr val="dk1">
+                    <a:alpha val="40000"/>
+                  </a:schemeClr>
+                </a:outerShdw>
+              </a:effectLst>
+              <a:latin typeface="Calibri" panose="020F0502020204030204" pitchFamily="34" charset="0"/>
+              <a:ea typeface="Calibri" panose="020F0502020204030204" pitchFamily="34" charset="0"/>
+            </a:endParaRPr>
+          </a:p>
+          <a:p>
+            <a:pPr marL="742950" marR="0" lvl="1" indent="-285750">
+              <a:spcBef>
+                <a:spcPts val="0"/>
+              </a:spcBef>
+              <a:spcAft>
+                <a:spcPts val="0"/>
+              </a:spcAft>
+              <a:buFont typeface="Courier New" panose="02070309020205020404" pitchFamily="49" charset="0"/>
+              <a:buChar char="o"/>
+            </a:pPr>
+            <a:r>
+              <a:rPr lang="en-US" sz="700" dirty="0">
+                <a:ln w="0"/>
+                <a:solidFill>
+                  <a:schemeClr val="tx1"/>
+                </a:solidFill>
+                <a:effectLst>
+                  <a:outerShdw blurRad="38100" dist="19050" dir="2700000" algn="tl" rotWithShape="0">
+                    <a:schemeClr val="dk1">
+                      <a:alpha val="40000"/>
+                    </a:schemeClr>
+                  </a:outerShdw>
+                </a:effectLst>
+                <a:latin typeface="Calibri" panose="020F0502020204030204" pitchFamily="34" charset="0"/>
+                <a:ea typeface="Times New Roman" panose="02020603050405020304" pitchFamily="18" charset="0"/>
+              </a:rPr>
+              <a:t>Sometime build is too bad or fix already checked in master, then new release process starts from master.</a:t>
+            </a:r>
+            <a:endParaRPr lang="en-US" sz="700" dirty="0">
+              <a:ln w="0"/>
+              <a:solidFill>
+                <a:schemeClr val="tx1"/>
+              </a:solidFill>
+              <a:effectLst>
+                <a:outerShdw blurRad="38100" dist="19050" dir="2700000" algn="tl" rotWithShape="0">
+                  <a:schemeClr val="dk1">
+                    <a:alpha val="40000"/>
+                  </a:schemeClr>
+                </a:outerShdw>
+              </a:effectLst>
+              <a:latin typeface="Calibri" panose="020F0502020204030204" pitchFamily="34" charset="0"/>
+              <a:ea typeface="Calibri" panose="020F0502020204030204" pitchFamily="34" charset="0"/>
+            </a:endParaRPr>
+          </a:p>
+          <a:p>
+            <a:pPr marL="342900" marR="0" lvl="0" indent="-342900">
+              <a:spcBef>
+                <a:spcPts val="0"/>
+              </a:spcBef>
+              <a:spcAft>
+                <a:spcPts val="0"/>
+              </a:spcAft>
+              <a:buFont typeface="Calibri" panose="020F0502020204030204" pitchFamily="34" charset="0"/>
+              <a:buChar char="-"/>
+            </a:pPr>
+            <a:r>
+              <a:rPr lang="en-US" sz="700" dirty="0">
+                <a:ln w="0"/>
+                <a:solidFill>
+                  <a:schemeClr val="tx1"/>
+                </a:solidFill>
+                <a:effectLst>
+                  <a:outerShdw blurRad="38100" dist="19050" dir="2700000" algn="tl" rotWithShape="0">
+                    <a:schemeClr val="dk1">
+                      <a:alpha val="40000"/>
+                    </a:schemeClr>
+                  </a:outerShdw>
+                </a:effectLst>
+                <a:latin typeface="Calibri" panose="020F0502020204030204" pitchFamily="34" charset="0"/>
+                <a:ea typeface="Times New Roman" panose="02020603050405020304" pitchFamily="18" charset="0"/>
+              </a:rPr>
+              <a:t>From hotfix branch a build is created, and release process starts again.</a:t>
+            </a:r>
+            <a:endParaRPr lang="en-US" sz="700" dirty="0">
+              <a:ln w="0"/>
+              <a:solidFill>
+                <a:schemeClr val="tx1"/>
+              </a:solidFill>
+              <a:effectLst>
+                <a:outerShdw blurRad="38100" dist="19050" dir="2700000" algn="tl" rotWithShape="0">
+                  <a:schemeClr val="dk1">
+                    <a:alpha val="40000"/>
+                  </a:schemeClr>
+                </a:outerShdw>
+              </a:effectLst>
+              <a:latin typeface="Calibri" panose="020F0502020204030204" pitchFamily="34" charset="0"/>
+              <a:ea typeface="Calibri" panose="020F0502020204030204" pitchFamily="34" charset="0"/>
+            </a:endParaRPr>
+          </a:p>
+          <a:p>
+            <a:pPr marL="0" marR="0">
+              <a:spcBef>
+                <a:spcPts val="0"/>
+              </a:spcBef>
+              <a:spcAft>
+                <a:spcPts val="0"/>
+              </a:spcAft>
+            </a:pPr>
+            <a:r>
+              <a:rPr lang="en-US" sz="700" dirty="0">
+                <a:ln w="0"/>
+                <a:solidFill>
+                  <a:schemeClr val="tx1"/>
+                </a:solidFill>
+                <a:effectLst>
+                  <a:outerShdw blurRad="38100" dist="19050" dir="2700000" algn="tl" rotWithShape="0">
+                    <a:schemeClr val="dk1">
+                      <a:alpha val="40000"/>
+                    </a:schemeClr>
+                  </a:outerShdw>
+                </a:effectLst>
+                <a:latin typeface="Calibri" panose="020F0502020204030204" pitchFamily="34" charset="0"/>
+                <a:ea typeface="Calibri" panose="020F0502020204030204" pitchFamily="34" charset="0"/>
+              </a:rPr>
+              <a:t> </a:t>
+            </a:r>
+          </a:p>
+          <a:p>
+            <a:pPr marL="0" marR="0">
+              <a:spcBef>
+                <a:spcPts val="0"/>
+              </a:spcBef>
+              <a:spcAft>
+                <a:spcPts val="0"/>
+              </a:spcAft>
+            </a:pPr>
+            <a:r>
+              <a:rPr lang="en-US" sz="700" dirty="0">
+                <a:ln w="0"/>
+                <a:solidFill>
+                  <a:schemeClr val="tx1"/>
+                </a:solidFill>
+                <a:effectLst>
+                  <a:outerShdw blurRad="38100" dist="19050" dir="2700000" algn="tl" rotWithShape="0">
+                    <a:schemeClr val="dk1">
+                      <a:alpha val="40000"/>
+                    </a:schemeClr>
+                  </a:outerShdw>
+                </a:effectLst>
+                <a:latin typeface="Calibri" panose="020F0502020204030204" pitchFamily="34" charset="0"/>
+                <a:ea typeface="Calibri" panose="020F0502020204030204" pitchFamily="34" charset="0"/>
+              </a:rPr>
+              <a:t>For ADF development</a:t>
+            </a:r>
+          </a:p>
+          <a:p>
+            <a:pPr marL="342900" marR="0" lvl="0" indent="-342900">
+              <a:spcBef>
+                <a:spcPts val="0"/>
+              </a:spcBef>
+              <a:spcAft>
+                <a:spcPts val="0"/>
+              </a:spcAft>
+              <a:buFont typeface="Calibri" panose="020F0502020204030204" pitchFamily="34" charset="0"/>
+              <a:buChar char="-"/>
+            </a:pPr>
+            <a:r>
+              <a:rPr lang="en-US" sz="700" dirty="0">
+                <a:ln w="0"/>
+                <a:solidFill>
+                  <a:schemeClr val="tx1"/>
+                </a:solidFill>
+                <a:effectLst>
+                  <a:outerShdw blurRad="38100" dist="19050" dir="2700000" algn="tl" rotWithShape="0">
+                    <a:schemeClr val="dk1">
+                      <a:alpha val="40000"/>
+                    </a:schemeClr>
+                  </a:outerShdw>
+                </a:effectLst>
+                <a:latin typeface="Calibri" panose="020F0502020204030204" pitchFamily="34" charset="0"/>
+                <a:ea typeface="Times New Roman" panose="02020603050405020304" pitchFamily="18" charset="0"/>
+              </a:rPr>
+              <a:t>Multiple teams land their changes after testing in master. Means of testing [Debug pipeline, export arm template to deploy to individuals own instance]</a:t>
+            </a:r>
+            <a:endParaRPr lang="en-US" sz="700" dirty="0">
+              <a:ln w="0"/>
+              <a:solidFill>
+                <a:schemeClr val="tx1"/>
+              </a:solidFill>
+              <a:effectLst>
+                <a:outerShdw blurRad="38100" dist="19050" dir="2700000" algn="tl" rotWithShape="0">
+                  <a:schemeClr val="dk1">
+                    <a:alpha val="40000"/>
+                  </a:schemeClr>
+                </a:outerShdw>
+              </a:effectLst>
+              <a:latin typeface="Calibri" panose="020F0502020204030204" pitchFamily="34" charset="0"/>
+              <a:ea typeface="Calibri" panose="020F0502020204030204" pitchFamily="34" charset="0"/>
+            </a:endParaRPr>
+          </a:p>
+          <a:p>
+            <a:pPr marL="742950" marR="0" lvl="1" indent="-285750">
+              <a:spcBef>
+                <a:spcPts val="0"/>
+              </a:spcBef>
+              <a:spcAft>
+                <a:spcPts val="0"/>
+              </a:spcAft>
+              <a:buFont typeface="Courier New" panose="02070309020205020404" pitchFamily="49" charset="0"/>
+              <a:buChar char="o"/>
+            </a:pPr>
+            <a:r>
+              <a:rPr lang="en-US" sz="700" dirty="0">
+                <a:ln w="0"/>
+                <a:solidFill>
+                  <a:schemeClr val="tx1"/>
+                </a:solidFill>
+                <a:effectLst>
+                  <a:outerShdw blurRad="38100" dist="19050" dir="2700000" algn="tl" rotWithShape="0">
+                    <a:schemeClr val="dk1">
+                      <a:alpha val="40000"/>
+                    </a:schemeClr>
+                  </a:outerShdw>
+                </a:effectLst>
+                <a:latin typeface="Calibri" panose="020F0502020204030204" pitchFamily="34" charset="0"/>
+                <a:ea typeface="Times New Roman" panose="02020603050405020304" pitchFamily="18" charset="0"/>
+              </a:rPr>
+              <a:t>if user needs to test something end 2 end which can’t be tested by Debug pipelines then developer can “export arm template”, deploy to his own ADF. Similar to a private build being tested on user’s machine or web app. In case of ADF application is ADF itself.</a:t>
+            </a:r>
+            <a:endParaRPr lang="en-US" sz="700" dirty="0">
+              <a:ln w="0"/>
+              <a:solidFill>
+                <a:schemeClr val="tx1"/>
+              </a:solidFill>
+              <a:effectLst>
+                <a:outerShdw blurRad="38100" dist="19050" dir="2700000" algn="tl" rotWithShape="0">
+                  <a:schemeClr val="dk1">
+                    <a:alpha val="40000"/>
+                  </a:schemeClr>
+                </a:outerShdw>
+              </a:effectLst>
+              <a:latin typeface="Calibri" panose="020F0502020204030204" pitchFamily="34" charset="0"/>
+              <a:ea typeface="Calibri" panose="020F0502020204030204" pitchFamily="34" charset="0"/>
+            </a:endParaRPr>
+          </a:p>
+          <a:p>
+            <a:pPr marL="342900" marR="0" lvl="0" indent="-342900">
+              <a:spcBef>
+                <a:spcPts val="0"/>
+              </a:spcBef>
+              <a:spcAft>
+                <a:spcPts val="0"/>
+              </a:spcAft>
+              <a:buFont typeface="Calibri" panose="020F0502020204030204" pitchFamily="34" charset="0"/>
+              <a:buChar char="-"/>
+            </a:pPr>
+            <a:r>
+              <a:rPr lang="en-US" sz="700" dirty="0">
+                <a:ln w="0"/>
+                <a:solidFill>
+                  <a:schemeClr val="tx1"/>
+                </a:solidFill>
+                <a:effectLst>
+                  <a:outerShdw blurRad="38100" dist="19050" dir="2700000" algn="tl" rotWithShape="0">
+                    <a:schemeClr val="dk1">
+                      <a:alpha val="40000"/>
+                    </a:schemeClr>
+                  </a:outerShdw>
+                </a:effectLst>
+                <a:latin typeface="Calibri" panose="020F0502020204030204" pitchFamily="34" charset="0"/>
+                <a:ea typeface="Times New Roman" panose="02020603050405020304" pitchFamily="18" charset="0"/>
+              </a:rPr>
+              <a:t>Still there could be some bad changes which are caught during release process by testing.</a:t>
+            </a:r>
+            <a:endParaRPr lang="en-US" sz="700" dirty="0">
+              <a:ln w="0"/>
+              <a:solidFill>
+                <a:schemeClr val="tx1"/>
+              </a:solidFill>
+              <a:effectLst>
+                <a:outerShdw blurRad="38100" dist="19050" dir="2700000" algn="tl" rotWithShape="0">
+                  <a:schemeClr val="dk1">
+                    <a:alpha val="40000"/>
+                  </a:schemeClr>
+                </a:outerShdw>
+              </a:effectLst>
+              <a:latin typeface="Calibri" panose="020F0502020204030204" pitchFamily="34" charset="0"/>
+              <a:ea typeface="Calibri" panose="020F0502020204030204" pitchFamily="34" charset="0"/>
+            </a:endParaRPr>
+          </a:p>
+          <a:p>
+            <a:pPr marL="342900" marR="0" lvl="0" indent="-342900">
+              <a:spcBef>
+                <a:spcPts val="0"/>
+              </a:spcBef>
+              <a:spcAft>
+                <a:spcPts val="0"/>
+              </a:spcAft>
+              <a:buFont typeface="Calibri" panose="020F0502020204030204" pitchFamily="34" charset="0"/>
+              <a:buChar char="-"/>
+            </a:pPr>
+            <a:r>
+              <a:rPr lang="en-US" sz="700" dirty="0">
+                <a:ln w="0"/>
+                <a:solidFill>
+                  <a:schemeClr val="tx1"/>
+                </a:solidFill>
+                <a:effectLst>
+                  <a:outerShdw blurRad="38100" dist="19050" dir="2700000" algn="tl" rotWithShape="0">
+                    <a:schemeClr val="dk1">
+                      <a:alpha val="40000"/>
+                    </a:schemeClr>
+                  </a:outerShdw>
+                </a:effectLst>
+                <a:latin typeface="Calibri" panose="020F0502020204030204" pitchFamily="34" charset="0"/>
+                <a:ea typeface="Times New Roman" panose="02020603050405020304" pitchFamily="18" charset="0"/>
+              </a:rPr>
+              <a:t>Once bug is detected, developer prepares hotfix for current release and fix the changes, by changing by ADF resource (add/remove).</a:t>
+            </a:r>
+            <a:endParaRPr lang="en-US" sz="700" dirty="0">
+              <a:ln w="0"/>
+              <a:solidFill>
+                <a:schemeClr val="tx1"/>
+              </a:solidFill>
+              <a:effectLst>
+                <a:outerShdw blurRad="38100" dist="19050" dir="2700000" algn="tl" rotWithShape="0">
+                  <a:schemeClr val="dk1">
+                    <a:alpha val="40000"/>
+                  </a:schemeClr>
+                </a:outerShdw>
+              </a:effectLst>
+              <a:latin typeface="Calibri" panose="020F0502020204030204" pitchFamily="34" charset="0"/>
+              <a:ea typeface="Calibri" panose="020F0502020204030204" pitchFamily="34" charset="0"/>
+            </a:endParaRPr>
+          </a:p>
+          <a:p>
+            <a:pPr marL="742950" marR="0" lvl="1" indent="-285750">
+              <a:spcBef>
+                <a:spcPts val="0"/>
+              </a:spcBef>
+              <a:spcAft>
+                <a:spcPts val="0"/>
+              </a:spcAft>
+              <a:buFont typeface="Courier New" panose="02070309020205020404" pitchFamily="49" charset="0"/>
+              <a:buChar char="o"/>
+            </a:pPr>
+            <a:r>
+              <a:rPr lang="en-US" sz="700" dirty="0">
+                <a:ln w="0"/>
+                <a:solidFill>
+                  <a:schemeClr val="tx1"/>
+                </a:solidFill>
+                <a:effectLst>
+                  <a:outerShdw blurRad="38100" dist="19050" dir="2700000" algn="tl" rotWithShape="0">
+                    <a:schemeClr val="dk1">
+                      <a:alpha val="40000"/>
+                    </a:schemeClr>
+                  </a:outerShdw>
+                </a:effectLst>
+                <a:latin typeface="Calibri" panose="020F0502020204030204" pitchFamily="34" charset="0"/>
+                <a:ea typeface="Times New Roman" panose="02020603050405020304" pitchFamily="18" charset="0"/>
+              </a:rPr>
+              <a:t>Sometime build is too bad or fix already checked in master, then new release process starts from master.</a:t>
+            </a:r>
+            <a:endParaRPr lang="en-US" sz="700" dirty="0">
+              <a:ln w="0"/>
+              <a:solidFill>
+                <a:schemeClr val="tx1"/>
+              </a:solidFill>
+              <a:effectLst>
+                <a:outerShdw blurRad="38100" dist="19050" dir="2700000" algn="tl" rotWithShape="0">
+                  <a:schemeClr val="dk1">
+                    <a:alpha val="40000"/>
+                  </a:schemeClr>
+                </a:outerShdw>
+              </a:effectLst>
+              <a:latin typeface="Calibri" panose="020F0502020204030204" pitchFamily="34" charset="0"/>
+              <a:ea typeface="Calibri" panose="020F0502020204030204" pitchFamily="34" charset="0"/>
+            </a:endParaRPr>
+          </a:p>
+          <a:p>
+            <a:pPr marL="342900" marR="0" lvl="0" indent="-342900">
+              <a:spcBef>
+                <a:spcPts val="0"/>
+              </a:spcBef>
+              <a:spcAft>
+                <a:spcPts val="0"/>
+              </a:spcAft>
+              <a:buFont typeface="Calibri" panose="020F0502020204030204" pitchFamily="34" charset="0"/>
+              <a:buChar char="-"/>
+            </a:pPr>
+            <a:r>
+              <a:rPr lang="en-US" sz="700" dirty="0">
+                <a:ln w="0"/>
+                <a:solidFill>
+                  <a:schemeClr val="tx1"/>
+                </a:solidFill>
+                <a:effectLst>
+                  <a:outerShdw blurRad="38100" dist="19050" dir="2700000" algn="tl" rotWithShape="0">
+                    <a:schemeClr val="dk1">
+                      <a:alpha val="40000"/>
+                    </a:schemeClr>
+                  </a:outerShdw>
+                </a:effectLst>
+                <a:latin typeface="Calibri" panose="020F0502020204030204" pitchFamily="34" charset="0"/>
+                <a:ea typeface="Times New Roman" panose="02020603050405020304" pitchFamily="18" charset="0"/>
+              </a:rPr>
+              <a:t>From hotfix branch an ARM template (equivalent to build) is created by clicking “Export ARM template”, and then release process start again.</a:t>
+            </a:r>
+            <a:endParaRPr lang="en-US" sz="700" dirty="0">
+              <a:ln w="0"/>
+              <a:solidFill>
+                <a:schemeClr val="tx1"/>
+              </a:solidFill>
+              <a:effectLst>
+                <a:outerShdw blurRad="38100" dist="19050" dir="2700000" algn="tl" rotWithShape="0">
+                  <a:schemeClr val="dk1">
+                    <a:alpha val="40000"/>
+                  </a:schemeClr>
+                </a:outerShdw>
+              </a:effectLst>
+              <a:latin typeface="Calibri" panose="020F0502020204030204" pitchFamily="34" charset="0"/>
+              <a:ea typeface="Calibri" panose="020F0502020204030204" pitchFamily="34" charset="0"/>
+            </a:endParaRPr>
+          </a:p>
+          <a:p>
+            <a:pPr marL="0" marR="0">
+              <a:spcBef>
+                <a:spcPts val="0"/>
+              </a:spcBef>
+              <a:spcAft>
+                <a:spcPts val="0"/>
+              </a:spcAft>
+            </a:pPr>
+            <a:r>
+              <a:rPr lang="en-US" sz="700" dirty="0">
+                <a:ln w="0"/>
+                <a:solidFill>
+                  <a:schemeClr val="tx1"/>
+                </a:solidFill>
+                <a:effectLst>
+                  <a:outerShdw blurRad="38100" dist="19050" dir="2700000" algn="tl" rotWithShape="0">
+                    <a:schemeClr val="dk1">
+                      <a:alpha val="40000"/>
+                    </a:schemeClr>
+                  </a:outerShdw>
+                </a:effectLst>
+                <a:latin typeface="Calibri" panose="020F0502020204030204" pitchFamily="34" charset="0"/>
+                <a:ea typeface="Calibri" panose="020F0502020204030204" pitchFamily="34" charset="0"/>
+              </a:rPr>
+              <a:t> </a:t>
+            </a:r>
+          </a:p>
+          <a:p>
+            <a:pPr marL="0" marR="0">
+              <a:spcBef>
+                <a:spcPts val="0"/>
+              </a:spcBef>
+              <a:spcAft>
+                <a:spcPts val="0"/>
+              </a:spcAft>
+            </a:pPr>
+            <a:r>
+              <a:rPr lang="en-US" sz="700" dirty="0">
+                <a:ln w="0"/>
+                <a:solidFill>
+                  <a:schemeClr val="tx1"/>
+                </a:solidFill>
+                <a:effectLst>
+                  <a:outerShdw blurRad="38100" dist="19050" dir="2700000" algn="tl" rotWithShape="0">
+                    <a:schemeClr val="dk1">
+                      <a:alpha val="40000"/>
+                    </a:schemeClr>
+                  </a:outerShdw>
+                </a:effectLst>
+                <a:latin typeface="Calibri" panose="020F0502020204030204" pitchFamily="34" charset="0"/>
+                <a:ea typeface="Calibri" panose="020F0502020204030204" pitchFamily="34" charset="0"/>
+              </a:rPr>
+              <a:t>In every software development testing phase is before/after </a:t>
+            </a:r>
+            <a:r>
+              <a:rPr lang="en-US" sz="700" dirty="0" err="1">
+                <a:ln w="0"/>
+                <a:solidFill>
+                  <a:schemeClr val="tx1"/>
+                </a:solidFill>
+                <a:effectLst>
+                  <a:outerShdw blurRad="38100" dist="19050" dir="2700000" algn="tl" rotWithShape="0">
+                    <a:schemeClr val="dk1">
+                      <a:alpha val="40000"/>
+                    </a:schemeClr>
+                  </a:outerShdw>
+                </a:effectLst>
+                <a:latin typeface="Calibri" panose="020F0502020204030204" pitchFamily="34" charset="0"/>
+                <a:ea typeface="Calibri" panose="020F0502020204030204" pitchFamily="34" charset="0"/>
+              </a:rPr>
+              <a:t>checkin</a:t>
+            </a:r>
+            <a:r>
+              <a:rPr lang="en-US" sz="700" dirty="0">
+                <a:ln w="0"/>
+                <a:solidFill>
+                  <a:schemeClr val="tx1"/>
+                </a:solidFill>
+                <a:effectLst>
+                  <a:outerShdw blurRad="38100" dist="19050" dir="2700000" algn="tl" rotWithShape="0">
+                    <a:schemeClr val="dk1">
+                      <a:alpha val="40000"/>
+                    </a:schemeClr>
+                  </a:outerShdw>
+                </a:effectLst>
+                <a:latin typeface="Calibri" panose="020F0502020204030204" pitchFamily="34" charset="0"/>
+                <a:ea typeface="Calibri" panose="020F0502020204030204" pitchFamily="34" charset="0"/>
+              </a:rPr>
+              <a:t> in to master</a:t>
+            </a:r>
+          </a:p>
+          <a:p>
+            <a:pPr marL="0" marR="0">
+              <a:spcBef>
+                <a:spcPts val="0"/>
+              </a:spcBef>
+              <a:spcAft>
+                <a:spcPts val="0"/>
+              </a:spcAft>
+            </a:pPr>
+            <a:r>
+              <a:rPr lang="en-US" sz="700" dirty="0">
+                <a:ln w="0"/>
+                <a:solidFill>
+                  <a:schemeClr val="tx1"/>
+                </a:solidFill>
+                <a:effectLst>
+                  <a:outerShdw blurRad="38100" dist="19050" dir="2700000" algn="tl" rotWithShape="0">
+                    <a:schemeClr val="dk1">
+                      <a:alpha val="40000"/>
+                    </a:schemeClr>
+                  </a:outerShdw>
+                </a:effectLst>
+                <a:latin typeface="Calibri" panose="020F0502020204030204" pitchFamily="34" charset="0"/>
+                <a:ea typeface="Calibri" panose="020F0502020204030204" pitchFamily="34" charset="0"/>
+              </a:rPr>
+              <a:t>                In ADF you can test before using Debug pipeline or by exporting ARM template and deploying to different factories.</a:t>
+            </a:r>
+          </a:p>
+          <a:p>
+            <a:pPr marL="0" marR="0">
+              <a:spcBef>
+                <a:spcPts val="0"/>
+              </a:spcBef>
+              <a:spcAft>
+                <a:spcPts val="0"/>
+              </a:spcAft>
+            </a:pPr>
+            <a:r>
+              <a:rPr lang="en-US" sz="700" dirty="0">
+                <a:ln w="0"/>
+                <a:solidFill>
+                  <a:schemeClr val="tx1"/>
+                </a:solidFill>
+                <a:effectLst>
+                  <a:outerShdw blurRad="38100" dist="19050" dir="2700000" algn="tl" rotWithShape="0">
+                    <a:schemeClr val="dk1">
+                      <a:alpha val="40000"/>
+                    </a:schemeClr>
+                  </a:outerShdw>
+                </a:effectLst>
+                <a:latin typeface="Calibri" panose="020F0502020204030204" pitchFamily="34" charset="0"/>
+                <a:ea typeface="Calibri" panose="020F0502020204030204" pitchFamily="34" charset="0"/>
+              </a:rPr>
+              <a:t>ADF is not a git tool, git tools are like Visual Studio, VS Code, Git Bash, users need to use these tools to do cherry picking and create hot fix branches etc.</a:t>
+            </a:r>
+          </a:p>
+          <a:p>
+            <a:pPr marL="0" marR="0">
+              <a:spcBef>
+                <a:spcPts val="0"/>
+              </a:spcBef>
+              <a:spcAft>
+                <a:spcPts val="0"/>
+              </a:spcAft>
+            </a:pPr>
+            <a:r>
+              <a:rPr lang="en-US" sz="700" dirty="0">
+                <a:ln w="0"/>
+                <a:solidFill>
+                  <a:schemeClr val="tx1"/>
+                </a:solidFill>
+                <a:effectLst>
+                  <a:outerShdw blurRad="38100" dist="19050" dir="2700000" algn="tl" rotWithShape="0">
+                    <a:schemeClr val="dk1">
+                      <a:alpha val="40000"/>
+                    </a:schemeClr>
+                  </a:outerShdw>
+                </a:effectLst>
+                <a:latin typeface="Calibri" panose="020F0502020204030204" pitchFamily="34" charset="0"/>
+                <a:ea typeface="Calibri" panose="020F0502020204030204" pitchFamily="34" charset="0"/>
+              </a:rPr>
+              <a:t> </a:t>
+            </a:r>
+          </a:p>
+          <a:p>
+            <a:pPr marL="0" marR="0">
+              <a:spcBef>
+                <a:spcPts val="0"/>
+              </a:spcBef>
+              <a:spcAft>
+                <a:spcPts val="0"/>
+              </a:spcAft>
+            </a:pPr>
+            <a:r>
+              <a:rPr lang="en-US" sz="700" dirty="0">
+                <a:ln w="0"/>
+                <a:solidFill>
+                  <a:schemeClr val="tx1"/>
+                </a:solidFill>
+                <a:effectLst>
+                  <a:outerShdw blurRad="38100" dist="19050" dir="2700000" algn="tl" rotWithShape="0">
+                    <a:schemeClr val="dk1">
+                      <a:alpha val="40000"/>
+                    </a:schemeClr>
+                  </a:outerShdw>
+                </a:effectLst>
+                <a:latin typeface="Calibri" panose="020F0502020204030204" pitchFamily="34" charset="0"/>
+                <a:ea typeface="Calibri" panose="020F0502020204030204" pitchFamily="34" charset="0"/>
+              </a:rPr>
+              <a:t>To stop frequent hot fixing, testing needs to be done before pushing to master.</a:t>
+            </a:r>
+          </a:p>
+          <a:p>
+            <a:pPr marL="0" marR="0">
+              <a:spcBef>
+                <a:spcPts val="0"/>
+              </a:spcBef>
+              <a:spcAft>
+                <a:spcPts val="0"/>
+              </a:spcAft>
+            </a:pPr>
+            <a:r>
+              <a:rPr lang="en-US" sz="700" dirty="0">
+                <a:ln w="0"/>
+                <a:solidFill>
+                  <a:schemeClr val="tx1"/>
+                </a:solidFill>
+                <a:effectLst>
+                  <a:outerShdw blurRad="38100" dist="19050" dir="2700000" algn="tl" rotWithShape="0">
+                    <a:schemeClr val="dk1">
+                      <a:alpha val="40000"/>
+                    </a:schemeClr>
+                  </a:outerShdw>
+                </a:effectLst>
+                <a:latin typeface="Calibri" panose="020F0502020204030204" pitchFamily="34" charset="0"/>
+                <a:ea typeface="Calibri" panose="020F0502020204030204" pitchFamily="34" charset="0"/>
+              </a:rPr>
+              <a:t> </a:t>
+            </a:r>
+          </a:p>
+          <a:p>
+            <a:pPr marL="0" marR="0">
+              <a:spcBef>
+                <a:spcPts val="0"/>
+              </a:spcBef>
+              <a:spcAft>
+                <a:spcPts val="0"/>
+              </a:spcAft>
+            </a:pPr>
+            <a:r>
+              <a:rPr lang="en-US" sz="700" u="none" strike="noStrike" dirty="0">
+                <a:ln w="0"/>
+                <a:solidFill>
+                  <a:schemeClr val="tx1"/>
+                </a:solidFill>
+                <a:effectLst>
+                  <a:outerShdw blurRad="38100" dist="19050" dir="2700000" algn="tl" rotWithShape="0">
+                    <a:schemeClr val="dk1">
+                      <a:alpha val="40000"/>
+                    </a:schemeClr>
+                  </a:outerShdw>
+                </a:effectLst>
+                <a:latin typeface="Calibri" panose="020F0502020204030204" pitchFamily="34" charset="0"/>
+                <a:ea typeface="Calibri" panose="020F0502020204030204" pitchFamily="34" charset="0"/>
+                <a:hlinkClick r:id="rId5"/>
+              </a:rPr>
+              <a:t>@Florian Eiden</a:t>
+            </a:r>
+            <a:r>
+              <a:rPr lang="en-US" sz="700" dirty="0">
+                <a:ln w="0"/>
+                <a:solidFill>
+                  <a:schemeClr val="tx1"/>
+                </a:solidFill>
+                <a:effectLst>
+                  <a:outerShdw blurRad="38100" dist="19050" dir="2700000" algn="tl" rotWithShape="0">
+                    <a:schemeClr val="dk1">
+                      <a:alpha val="40000"/>
+                    </a:schemeClr>
+                  </a:outerShdw>
+                </a:effectLst>
+                <a:latin typeface="Calibri" panose="020F0502020204030204" pitchFamily="34" charset="0"/>
+                <a:ea typeface="Calibri" panose="020F0502020204030204" pitchFamily="34" charset="0"/>
+              </a:rPr>
+              <a:t> in case of triggers need to be tested, developer needs to export ARM template and deploy in his own factory. Yes this requires developers to setup their own factory (or some other shared factory), which is true for other kind of software development as well. Like in case of web app development developers deploy their web app to test their changes. Then they push to master, then integration testing.</a:t>
+            </a:r>
+          </a:p>
+        </p:txBody>
+      </p:sp>
+      <p:sp>
+        <p:nvSpPr>
+          <p:cNvPr id="40" name="TextBox 39">
+            <a:extLst>
+              <a:ext uri="{FF2B5EF4-FFF2-40B4-BE49-F238E27FC236}">
+                <a16:creationId xmlns:a16="http://schemas.microsoft.com/office/drawing/2014/main" id="{BBBCF33B-E32E-48C0-8B4F-980E9E294829}"/>
+              </a:ext>
+            </a:extLst>
+          </p:cNvPr>
+          <p:cNvSpPr txBox="1"/>
+          <p:nvPr/>
+        </p:nvSpPr>
+        <p:spPr>
+          <a:xfrm>
+            <a:off x="751974" y="316758"/>
+            <a:ext cx="7645619" cy="646331"/>
+          </a:xfrm>
+          <a:prstGeom prst="rect">
+            <a:avLst/>
+          </a:prstGeom>
+          <a:noFill/>
+        </p:spPr>
+        <p:txBody>
+          <a:bodyPr wrap="none" rtlCol="0">
+            <a:spAutoFit/>
+          </a:bodyPr>
+          <a:lstStyle/>
+          <a:p>
+            <a:r>
+              <a:rPr lang="en-US" dirty="0"/>
+              <a:t>Alternative</a:t>
+            </a:r>
+          </a:p>
+          <a:p>
+            <a:r>
+              <a:rPr lang="en-US" dirty="0">
+                <a:hlinkClick r:id="rId6"/>
+              </a:rPr>
+              <a:t>https://github.com/AdamPaternostro/Azure-Data-Factory-CI-CD-Source-Control</a:t>
+            </a:r>
+            <a:endParaRPr lang="en-US" dirty="0"/>
+          </a:p>
+        </p:txBody>
+      </p:sp>
     </p:spTree>
     <p:extLst>
       <p:ext uri="{BB962C8B-B14F-4D97-AF65-F5344CB8AC3E}">
@@ -4975,7 +6973,7 @@
           <a:bodyPr/>
           <a:lstStyle/>
           <a:p>
-            <a:endParaRPr lang="en-US"/>
+            <a:endParaRPr lang="en-US" dirty="0"/>
           </a:p>
         </p:txBody>
       </p:sp>
@@ -4997,10 +6995,390 @@
         </p:nvSpPr>
         <p:spPr/>
         <p:txBody>
-          <a:bodyPr/>
+          <a:bodyPr>
+            <a:normAutofit fontScale="92500" lnSpcReduction="20000"/>
+          </a:bodyPr>
           <a:lstStyle/>
           <a:p>
-            <a:endParaRPr lang="en-US"/>
+            <a:r>
+              <a:rPr lang="en-US" dirty="0">
+                <a:hlinkClick r:id="rId2"/>
+              </a:rPr>
+              <a:t>https://oshamrai.wordpress.com/2020/01/31/create-the-delta-package-with-azure-devops-pipeline-and-git/</a:t>
+            </a:r>
+            <a:endParaRPr lang="en-US" dirty="0"/>
+          </a:p>
+          <a:p>
+            <a:endParaRPr lang="en-US" dirty="0"/>
+          </a:p>
+          <a:p>
+            <a:r>
+              <a:rPr lang="en-US" sz="1800" dirty="0">
+                <a:solidFill>
+                  <a:srgbClr val="16C60C"/>
+                </a:solidFill>
+                <a:effectLst/>
+                <a:latin typeface="Cascadia Mono" panose="020B0609020000020004" pitchFamily="49" charset="0"/>
+              </a:rPr>
+              <a:t>$a</a:t>
+            </a:r>
+            <a:r>
+              <a:rPr lang="en-US" sz="1800" dirty="0">
+                <a:solidFill>
+                  <a:srgbClr val="F2F2F2"/>
+                </a:solidFill>
+                <a:effectLst/>
+                <a:latin typeface="Cascadia Mono" panose="020B0609020000020004" pitchFamily="49" charset="0"/>
+              </a:rPr>
+              <a:t> </a:t>
+            </a:r>
+            <a:r>
+              <a:rPr lang="en-US" sz="1800" dirty="0">
+                <a:solidFill>
+                  <a:srgbClr val="767676"/>
+                </a:solidFill>
+                <a:effectLst/>
+                <a:latin typeface="Cascadia Mono" panose="020B0609020000020004" pitchFamily="49" charset="0"/>
+              </a:rPr>
+              <a:t>= </a:t>
+            </a:r>
+            <a:r>
+              <a:rPr lang="en-US" sz="1800" dirty="0">
+                <a:solidFill>
+                  <a:srgbClr val="F9F1A5"/>
+                </a:solidFill>
+                <a:effectLst/>
+                <a:latin typeface="Cascadia Mono" panose="020B0609020000020004" pitchFamily="49" charset="0"/>
+              </a:rPr>
+              <a:t>git </a:t>
+            </a:r>
+            <a:r>
+              <a:rPr lang="en-US" sz="1800" dirty="0">
+                <a:solidFill>
+                  <a:srgbClr val="F2F2F2"/>
+                </a:solidFill>
+                <a:effectLst/>
+                <a:latin typeface="Cascadia Mono" panose="020B0609020000020004" pitchFamily="49" charset="0"/>
+              </a:rPr>
+              <a:t>diff </a:t>
+            </a:r>
+            <a:r>
+              <a:rPr lang="en-US" sz="1800" dirty="0" err="1">
+                <a:solidFill>
+                  <a:srgbClr val="F2F2F2"/>
+                </a:solidFill>
+                <a:effectLst/>
+                <a:latin typeface="Cascadia Mono" panose="020B0609020000020004" pitchFamily="49" charset="0"/>
+              </a:rPr>
+              <a:t>adf_release_shared</a:t>
+            </a:r>
+            <a:r>
+              <a:rPr lang="en-US" sz="1800" dirty="0">
+                <a:solidFill>
+                  <a:srgbClr val="F2F2F2"/>
+                </a:solidFill>
+                <a:effectLst/>
+                <a:latin typeface="Cascadia Mono" panose="020B0609020000020004" pitchFamily="49" charset="0"/>
+              </a:rPr>
+              <a:t> master </a:t>
+            </a:r>
+            <a:r>
+              <a:rPr lang="en-US" sz="1800" dirty="0">
+                <a:solidFill>
+                  <a:srgbClr val="767676"/>
+                </a:solidFill>
+                <a:effectLst/>
+                <a:latin typeface="Cascadia Mono" panose="020B0609020000020004" pitchFamily="49" charset="0"/>
+              </a:rPr>
+              <a:t>--name-status</a:t>
+            </a:r>
+          </a:p>
+          <a:p>
+            <a:r>
+              <a:rPr lang="en-US" sz="1800" dirty="0">
+                <a:solidFill>
+                  <a:srgbClr val="16C60C"/>
+                </a:solidFill>
+                <a:effectLst/>
+                <a:latin typeface="Cascadia Mono" panose="020B0609020000020004" pitchFamily="49" charset="0"/>
+              </a:rPr>
+              <a:t>foreach</a:t>
+            </a:r>
+            <a:r>
+              <a:rPr lang="en-US" sz="1800" dirty="0">
+                <a:solidFill>
+                  <a:srgbClr val="F2F2F2"/>
+                </a:solidFill>
+                <a:effectLst/>
+                <a:latin typeface="Cascadia Mono" panose="020B0609020000020004" pitchFamily="49" charset="0"/>
+              </a:rPr>
+              <a:t> (</a:t>
+            </a:r>
+            <a:r>
+              <a:rPr lang="en-US" sz="1800" dirty="0">
+                <a:solidFill>
+                  <a:srgbClr val="16C60C"/>
+                </a:solidFill>
+                <a:effectLst/>
+                <a:latin typeface="Cascadia Mono" panose="020B0609020000020004" pitchFamily="49" charset="0"/>
+              </a:rPr>
+              <a:t>$d in $a</a:t>
+            </a:r>
+            <a:r>
+              <a:rPr lang="en-US" sz="1800" dirty="0">
+                <a:solidFill>
+                  <a:srgbClr val="F2F2F2"/>
+                </a:solidFill>
+                <a:effectLst/>
+                <a:latin typeface="Cascadia Mono" panose="020B0609020000020004" pitchFamily="49" charset="0"/>
+              </a:rPr>
+              <a:t>) {</a:t>
+            </a:r>
+            <a:r>
+              <a:rPr lang="en-US" sz="1800" dirty="0">
+                <a:solidFill>
+                  <a:srgbClr val="16C60C"/>
+                </a:solidFill>
+                <a:effectLst/>
+                <a:latin typeface="Cascadia Mono" panose="020B0609020000020004" pitchFamily="49" charset="0"/>
+              </a:rPr>
+              <a:t>$dd </a:t>
+            </a:r>
+            <a:r>
+              <a:rPr lang="en-US" sz="1800" dirty="0">
+                <a:solidFill>
+                  <a:srgbClr val="767676"/>
+                </a:solidFill>
+                <a:effectLst/>
+                <a:latin typeface="Cascadia Mono" panose="020B0609020000020004" pitchFamily="49" charset="0"/>
+              </a:rPr>
+              <a:t>= </a:t>
+            </a:r>
+            <a:r>
+              <a:rPr lang="en-US" sz="1800" dirty="0">
+                <a:solidFill>
+                  <a:srgbClr val="16C60C"/>
+                </a:solidFill>
+                <a:effectLst/>
+                <a:latin typeface="Cascadia Mono" panose="020B0609020000020004" pitchFamily="49" charset="0"/>
+              </a:rPr>
+              <a:t>$</a:t>
+            </a:r>
+            <a:r>
+              <a:rPr lang="en-US" sz="1800" dirty="0" err="1">
+                <a:solidFill>
+                  <a:srgbClr val="16C60C"/>
+                </a:solidFill>
+                <a:effectLst/>
+                <a:latin typeface="Cascadia Mono" panose="020B0609020000020004" pitchFamily="49" charset="0"/>
+              </a:rPr>
+              <a:t>d</a:t>
+            </a:r>
+            <a:r>
+              <a:rPr lang="en-US" sz="1800" dirty="0" err="1">
+                <a:solidFill>
+                  <a:srgbClr val="F2F2F2"/>
+                </a:solidFill>
+                <a:effectLst/>
+                <a:latin typeface="Cascadia Mono" panose="020B0609020000020004" pitchFamily="49" charset="0"/>
+              </a:rPr>
+              <a:t>.Split</a:t>
+            </a:r>
+            <a:r>
+              <a:rPr lang="en-US" sz="1800" dirty="0">
+                <a:solidFill>
+                  <a:srgbClr val="F2F2F2"/>
+                </a:solidFill>
+                <a:effectLst/>
+                <a:latin typeface="Cascadia Mono" panose="020B0609020000020004" pitchFamily="49" charset="0"/>
+              </a:rPr>
+              <a:t>(</a:t>
+            </a:r>
+            <a:r>
+              <a:rPr lang="en-US" sz="1800" dirty="0">
+                <a:solidFill>
+                  <a:srgbClr val="3A96DD"/>
+                </a:solidFill>
+                <a:effectLst/>
+                <a:latin typeface="Cascadia Mono" panose="020B0609020000020004" pitchFamily="49" charset="0"/>
+              </a:rPr>
+              <a:t>"`t"</a:t>
+            </a:r>
+            <a:r>
+              <a:rPr lang="en-US" sz="1800" dirty="0">
+                <a:solidFill>
+                  <a:srgbClr val="F2F2F2"/>
+                </a:solidFill>
+                <a:effectLst/>
+                <a:latin typeface="Cascadia Mono" panose="020B0609020000020004" pitchFamily="49" charset="0"/>
+              </a:rPr>
+              <a:t>); </a:t>
+            </a:r>
+            <a:r>
+              <a:rPr lang="en-US" sz="1800" dirty="0">
+                <a:solidFill>
+                  <a:srgbClr val="F9F1A5"/>
+                </a:solidFill>
+                <a:effectLst/>
+                <a:latin typeface="Cascadia Mono" panose="020B0609020000020004" pitchFamily="49" charset="0"/>
+              </a:rPr>
+              <a:t>write-host </a:t>
+            </a:r>
+            <a:r>
+              <a:rPr lang="en-US" sz="1800" dirty="0">
+                <a:solidFill>
+                  <a:srgbClr val="3A96DD"/>
+                </a:solidFill>
+                <a:effectLst/>
+                <a:latin typeface="Cascadia Mono" panose="020B0609020000020004" pitchFamily="49" charset="0"/>
+              </a:rPr>
+              <a:t>"NL </a:t>
+            </a:r>
+            <a:r>
+              <a:rPr lang="en-US" sz="1800" dirty="0">
+                <a:solidFill>
+                  <a:srgbClr val="F2F2F2"/>
+                </a:solidFill>
+                <a:effectLst/>
+                <a:latin typeface="Cascadia Mono" panose="020B0609020000020004" pitchFamily="49" charset="0"/>
+              </a:rPr>
+              <a:t>$(</a:t>
+            </a:r>
+            <a:r>
+              <a:rPr lang="en-US" sz="1800" dirty="0">
+                <a:solidFill>
+                  <a:srgbClr val="16C60C"/>
+                </a:solidFill>
+                <a:effectLst/>
+                <a:latin typeface="Cascadia Mono" panose="020B0609020000020004" pitchFamily="49" charset="0"/>
+              </a:rPr>
+              <a:t>$dd</a:t>
+            </a:r>
+            <a:r>
+              <a:rPr lang="en-US" sz="1800" dirty="0">
+                <a:solidFill>
+                  <a:srgbClr val="F2F2F2"/>
+                </a:solidFill>
+                <a:effectLst/>
+                <a:latin typeface="Cascadia Mono" panose="020B0609020000020004" pitchFamily="49" charset="0"/>
+              </a:rPr>
+              <a:t>[1]) </a:t>
+            </a:r>
+            <a:r>
+              <a:rPr lang="en-US" sz="1800" dirty="0">
+                <a:solidFill>
+                  <a:srgbClr val="3A96DD"/>
+                </a:solidFill>
+                <a:effectLst/>
+                <a:latin typeface="Cascadia Mono" panose="020B0609020000020004" pitchFamily="49" charset="0"/>
+              </a:rPr>
+              <a:t>was </a:t>
+            </a:r>
+            <a:r>
+              <a:rPr lang="en-US" sz="1800" dirty="0">
+                <a:solidFill>
+                  <a:srgbClr val="F2F2F2"/>
+                </a:solidFill>
+                <a:effectLst/>
+                <a:latin typeface="Cascadia Mono" panose="020B0609020000020004" pitchFamily="49" charset="0"/>
+              </a:rPr>
+              <a:t>$(</a:t>
+            </a:r>
+            <a:r>
+              <a:rPr lang="en-US" sz="1800" dirty="0">
+                <a:solidFill>
+                  <a:srgbClr val="16C60C"/>
+                </a:solidFill>
+                <a:effectLst/>
+                <a:latin typeface="Cascadia Mono" panose="020B0609020000020004" pitchFamily="49" charset="0"/>
+              </a:rPr>
+              <a:t>$dd</a:t>
+            </a:r>
+            <a:r>
+              <a:rPr lang="en-US" sz="1800" dirty="0">
+                <a:solidFill>
+                  <a:srgbClr val="F2F2F2"/>
+                </a:solidFill>
+                <a:effectLst/>
+                <a:latin typeface="Cascadia Mono" panose="020B0609020000020004" pitchFamily="49" charset="0"/>
+              </a:rPr>
+              <a:t>[0])</a:t>
+            </a:r>
+            <a:r>
+              <a:rPr lang="en-US" sz="1800" dirty="0">
+                <a:solidFill>
+                  <a:srgbClr val="3A96DD"/>
+                </a:solidFill>
+                <a:effectLst/>
+                <a:latin typeface="Cascadia Mono" panose="020B0609020000020004" pitchFamily="49" charset="0"/>
+              </a:rPr>
+              <a:t>"</a:t>
+            </a:r>
+            <a:r>
+              <a:rPr lang="en-US" sz="1800" dirty="0">
+                <a:solidFill>
+                  <a:srgbClr val="F2F2F2"/>
+                </a:solidFill>
+                <a:effectLst/>
+                <a:latin typeface="Cascadia Mono" panose="020B0609020000020004" pitchFamily="49" charset="0"/>
+              </a:rPr>
+              <a:t>}</a:t>
+            </a:r>
+            <a:endParaRPr lang="en-US" sz="1800" dirty="0">
+              <a:effectLst/>
+              <a:latin typeface="Cascadia Mono" panose="020B0609020000020004" pitchFamily="49" charset="0"/>
+            </a:endParaRPr>
+          </a:p>
+          <a:p>
+            <a:endParaRPr lang="en-US" sz="1800" dirty="0">
+              <a:effectLst/>
+              <a:latin typeface="Cascadia Mono" panose="020B0609020000020004" pitchFamily="49" charset="0"/>
+            </a:endParaRPr>
+          </a:p>
+          <a:p>
+            <a:r>
+              <a:rPr lang="en-US" dirty="0">
+                <a:hlinkClick r:id="rId3"/>
+              </a:rPr>
+              <a:t>https://stackoverflow.com/questions/52280056/only-download-changes-to-git-repo-in-vsts-release-pipeline</a:t>
+            </a:r>
+            <a:endParaRPr lang="en-US" dirty="0"/>
+          </a:p>
+          <a:p>
+            <a:pPr lvl="1"/>
+            <a:r>
+              <a:rPr lang="en-US" dirty="0"/>
+              <a:t>Command above, or shallow depth = branching discipline</a:t>
+            </a:r>
+          </a:p>
+          <a:p>
+            <a:r>
+              <a:rPr lang="en-US" dirty="0"/>
+              <a:t>Dans tous les </a:t>
+            </a:r>
+            <a:r>
+              <a:rPr lang="en-US" dirty="0" err="1"/>
+              <a:t>cas</a:t>
+            </a:r>
+            <a:endParaRPr lang="en-US" dirty="0"/>
+          </a:p>
+          <a:p>
+            <a:pPr lvl="1"/>
+            <a:r>
+              <a:rPr lang="en-US" dirty="0"/>
+              <a:t>1 process pour create/update</a:t>
+            </a:r>
+          </a:p>
+          <a:p>
+            <a:pPr lvl="1"/>
+            <a:r>
+              <a:rPr lang="en-US" dirty="0"/>
+              <a:t>1 process pour delete (compare a prod)</a:t>
+            </a:r>
+          </a:p>
+          <a:p>
+            <a:pPr lvl="1"/>
+            <a:endParaRPr lang="en-US" dirty="0"/>
           </a:p>
         </p:txBody>
       </p:sp>

--- a/_posts/202005_adf_devops/Schemas.pptx
+++ b/_posts/202005_adf_devops/Schemas.pptx
@@ -8,6 +8,7 @@
     <p:sldId id="256" r:id="rId2"/>
     <p:sldId id="257" r:id="rId3"/>
     <p:sldId id="258" r:id="rId4"/>
+    <p:sldId id="259" r:id="rId5"/>
   </p:sldIdLst>
   <p:sldSz cx="12192000" cy="6858000"/>
   <p:notesSz cx="6858000" cy="9144000"/>
@@ -261,7 +262,7 @@
           <a:p>
             <a:fld id="{15A40CFD-EA99-47BE-B976-F91F900C8871}" type="datetimeFigureOut">
               <a:rPr lang="en-US" smtClean="0"/>
-              <a:t>6/3/2020</a:t>
+              <a:t>6/9/2020</a:t>
             </a:fld>
             <a:endParaRPr lang="en-US"/>
           </a:p>
@@ -459,7 +460,7 @@
           <a:p>
             <a:fld id="{15A40CFD-EA99-47BE-B976-F91F900C8871}" type="datetimeFigureOut">
               <a:rPr lang="en-US" smtClean="0"/>
-              <a:t>6/3/2020</a:t>
+              <a:t>6/9/2020</a:t>
             </a:fld>
             <a:endParaRPr lang="en-US"/>
           </a:p>
@@ -667,7 +668,7 @@
           <a:p>
             <a:fld id="{15A40CFD-EA99-47BE-B976-F91F900C8871}" type="datetimeFigureOut">
               <a:rPr lang="en-US" smtClean="0"/>
-              <a:t>6/3/2020</a:t>
+              <a:t>6/9/2020</a:t>
             </a:fld>
             <a:endParaRPr lang="en-US"/>
           </a:p>
@@ -865,7 +866,7 @@
           <a:p>
             <a:fld id="{15A40CFD-EA99-47BE-B976-F91F900C8871}" type="datetimeFigureOut">
               <a:rPr lang="en-US" smtClean="0"/>
-              <a:t>6/3/2020</a:t>
+              <a:t>6/9/2020</a:t>
             </a:fld>
             <a:endParaRPr lang="en-US"/>
           </a:p>
@@ -1140,7 +1141,7 @@
           <a:p>
             <a:fld id="{15A40CFD-EA99-47BE-B976-F91F900C8871}" type="datetimeFigureOut">
               <a:rPr lang="en-US" smtClean="0"/>
-              <a:t>6/3/2020</a:t>
+              <a:t>6/9/2020</a:t>
             </a:fld>
             <a:endParaRPr lang="en-US"/>
           </a:p>
@@ -1405,7 +1406,7 @@
           <a:p>
             <a:fld id="{15A40CFD-EA99-47BE-B976-F91F900C8871}" type="datetimeFigureOut">
               <a:rPr lang="en-US" smtClean="0"/>
-              <a:t>6/3/2020</a:t>
+              <a:t>6/9/2020</a:t>
             </a:fld>
             <a:endParaRPr lang="en-US"/>
           </a:p>
@@ -1817,7 +1818,7 @@
           <a:p>
             <a:fld id="{15A40CFD-EA99-47BE-B976-F91F900C8871}" type="datetimeFigureOut">
               <a:rPr lang="en-US" smtClean="0"/>
-              <a:t>6/3/2020</a:t>
+              <a:t>6/9/2020</a:t>
             </a:fld>
             <a:endParaRPr lang="en-US"/>
           </a:p>
@@ -1958,7 +1959,7 @@
           <a:p>
             <a:fld id="{15A40CFD-EA99-47BE-B976-F91F900C8871}" type="datetimeFigureOut">
               <a:rPr lang="en-US" smtClean="0"/>
-              <a:t>6/3/2020</a:t>
+              <a:t>6/9/2020</a:t>
             </a:fld>
             <a:endParaRPr lang="en-US"/>
           </a:p>
@@ -2071,7 +2072,7 @@
           <a:p>
             <a:fld id="{15A40CFD-EA99-47BE-B976-F91F900C8871}" type="datetimeFigureOut">
               <a:rPr lang="en-US" smtClean="0"/>
-              <a:t>6/3/2020</a:t>
+              <a:t>6/9/2020</a:t>
             </a:fld>
             <a:endParaRPr lang="en-US"/>
           </a:p>
@@ -2382,7 +2383,7 @@
           <a:p>
             <a:fld id="{15A40CFD-EA99-47BE-B976-F91F900C8871}" type="datetimeFigureOut">
               <a:rPr lang="en-US" smtClean="0"/>
-              <a:t>6/3/2020</a:t>
+              <a:t>6/9/2020</a:t>
             </a:fld>
             <a:endParaRPr lang="en-US"/>
           </a:p>
@@ -2670,7 +2671,7 @@
           <a:p>
             <a:fld id="{15A40CFD-EA99-47BE-B976-F91F900C8871}" type="datetimeFigureOut">
               <a:rPr lang="en-US" smtClean="0"/>
-              <a:t>6/3/2020</a:t>
+              <a:t>6/9/2020</a:t>
             </a:fld>
             <a:endParaRPr lang="en-US"/>
           </a:p>
@@ -2911,7 +2912,7 @@
           <a:p>
             <a:fld id="{15A40CFD-EA99-47BE-B976-F91F900C8871}" type="datetimeFigureOut">
               <a:rPr lang="en-US" smtClean="0"/>
-              <a:t>6/3/2020</a:t>
+              <a:t>6/9/2020</a:t>
             </a:fld>
             <a:endParaRPr lang="en-US"/>
           </a:p>
@@ -7395,6 +7396,1088 @@
 </p:sld>
 </file>
 
+<file path=ppt/slides/slide4.xml><?xml version="1.0" encoding="utf-8"?>
+<p:sld xmlns:a="http://schemas.openxmlformats.org/drawingml/2006/main" xmlns:r="http://schemas.openxmlformats.org/officeDocument/2006/relationships" xmlns:p="http://schemas.openxmlformats.org/presentationml/2006/main">
+  <p:cSld>
+    <p:spTree>
+      <p:nvGrpSpPr>
+        <p:cNvPr id="1" name=""/>
+        <p:cNvGrpSpPr/>
+        <p:nvPr/>
+      </p:nvGrpSpPr>
+      <p:grpSpPr>
+        <a:xfrm>
+          <a:off x="0" y="0"/>
+          <a:ext cx="0" cy="0"/>
+          <a:chOff x="0" y="0"/>
+          <a:chExt cx="0" cy="0"/>
+        </a:xfrm>
+      </p:grpSpPr>
+      <p:grpSp>
+        <p:nvGrpSpPr>
+          <p:cNvPr id="15" name="Graphic 4">
+            <a:extLst>
+              <a:ext uri="{FF2B5EF4-FFF2-40B4-BE49-F238E27FC236}">
+                <a16:creationId xmlns:a16="http://schemas.microsoft.com/office/drawing/2014/main" id="{806FAA25-0997-4371-8EA8-1E4E86D33795}"/>
+              </a:ext>
+            </a:extLst>
+          </p:cNvPr>
+          <p:cNvGrpSpPr/>
+          <p:nvPr/>
+        </p:nvGrpSpPr>
+        <p:grpSpPr>
+          <a:xfrm>
+            <a:off x="1054748" y="2997198"/>
+            <a:ext cx="863608" cy="457200"/>
+            <a:chOff x="5096556" y="3203918"/>
+            <a:chExt cx="863608" cy="863604"/>
+          </a:xfrm>
+        </p:grpSpPr>
+        <p:sp>
+          <p:nvSpPr>
+            <p:cNvPr id="16" name="Freeform: Shape 15">
+              <a:extLst>
+                <a:ext uri="{FF2B5EF4-FFF2-40B4-BE49-F238E27FC236}">
+                  <a16:creationId xmlns:a16="http://schemas.microsoft.com/office/drawing/2014/main" id="{436F93BE-15E7-44F3-A587-C39BBBB446B1}"/>
+                </a:ext>
+              </a:extLst>
+            </p:cNvPr>
+            <p:cNvSpPr/>
+            <p:nvPr/>
+          </p:nvSpPr>
+          <p:spPr>
+            <a:xfrm>
+              <a:off x="5317540" y="3505058"/>
+              <a:ext cx="642623" cy="562464"/>
+            </a:xfrm>
+            <a:custGeom>
+              <a:avLst/>
+              <a:gdLst>
+                <a:gd name="connsiteX0" fmla="*/ 426720 w 642623"/>
+                <a:gd name="connsiteY0" fmla="*/ 205843 h 562464"/>
+                <a:gd name="connsiteX1" fmla="*/ 426720 w 642623"/>
+                <a:gd name="connsiteY1" fmla="*/ 7215 h 562464"/>
+                <a:gd name="connsiteX2" fmla="*/ 419715 w 642623"/>
+                <a:gd name="connsiteY2" fmla="*/ 1 h 562464"/>
+                <a:gd name="connsiteX3" fmla="*/ 414528 w 642623"/>
+                <a:gd name="connsiteY3" fmla="*/ 2135 h 562464"/>
+                <a:gd name="connsiteX4" fmla="*/ 211328 w 642623"/>
+                <a:gd name="connsiteY4" fmla="*/ 205335 h 562464"/>
+                <a:gd name="connsiteX5" fmla="*/ 0 w 642623"/>
+                <a:gd name="connsiteY5" fmla="*/ 416663 h 562464"/>
+                <a:gd name="connsiteX6" fmla="*/ 0 w 642623"/>
+                <a:gd name="connsiteY6" fmla="*/ 562459 h 562464"/>
+                <a:gd name="connsiteX7" fmla="*/ 613664 w 642623"/>
+                <a:gd name="connsiteY7" fmla="*/ 562459 h 562464"/>
+                <a:gd name="connsiteX8" fmla="*/ 642620 w 642623"/>
+                <a:gd name="connsiteY8" fmla="*/ 534530 h 562464"/>
+                <a:gd name="connsiteX9" fmla="*/ 642620 w 642623"/>
+                <a:gd name="connsiteY9" fmla="*/ 533503 h 562464"/>
+                <a:gd name="connsiteX10" fmla="*/ 642620 w 642623"/>
+                <a:gd name="connsiteY10" fmla="*/ 7215 h 562464"/>
+                <a:gd name="connsiteX11" fmla="*/ 635615 w 642623"/>
+                <a:gd name="connsiteY11" fmla="*/ 1 h 562464"/>
+                <a:gd name="connsiteX12" fmla="*/ 630428 w 642623"/>
+                <a:gd name="connsiteY12" fmla="*/ 2135 h 562464"/>
+              </a:gdLst>
+              <a:ahLst/>
+              <a:cxnLst>
+                <a:cxn ang="0">
+                  <a:pos x="connsiteX0" y="connsiteY0"/>
+                </a:cxn>
+                <a:cxn ang="0">
+                  <a:pos x="connsiteX1" y="connsiteY1"/>
+                </a:cxn>
+                <a:cxn ang="0">
+                  <a:pos x="connsiteX2" y="connsiteY2"/>
+                </a:cxn>
+                <a:cxn ang="0">
+                  <a:pos x="connsiteX3" y="connsiteY3"/>
+                </a:cxn>
+                <a:cxn ang="0">
+                  <a:pos x="connsiteX4" y="connsiteY4"/>
+                </a:cxn>
+                <a:cxn ang="0">
+                  <a:pos x="connsiteX5" y="connsiteY5"/>
+                </a:cxn>
+                <a:cxn ang="0">
+                  <a:pos x="connsiteX6" y="connsiteY6"/>
+                </a:cxn>
+                <a:cxn ang="0">
+                  <a:pos x="connsiteX7" y="connsiteY7"/>
+                </a:cxn>
+                <a:cxn ang="0">
+                  <a:pos x="connsiteX8" y="connsiteY8"/>
+                </a:cxn>
+                <a:cxn ang="0">
+                  <a:pos x="connsiteX9" y="connsiteY9"/>
+                </a:cxn>
+                <a:cxn ang="0">
+                  <a:pos x="connsiteX10" y="connsiteY10"/>
+                </a:cxn>
+                <a:cxn ang="0">
+                  <a:pos x="connsiteX11" y="connsiteY11"/>
+                </a:cxn>
+                <a:cxn ang="0">
+                  <a:pos x="connsiteX12" y="connsiteY12"/>
+                </a:cxn>
+              </a:cxnLst>
+              <a:rect l="l" t="t" r="r" b="b"/>
+              <a:pathLst>
+                <a:path w="642623" h="562464">
+                  <a:moveTo>
+                    <a:pt x="426720" y="205843"/>
+                  </a:moveTo>
+                  <a:lnTo>
+                    <a:pt x="426720" y="7215"/>
+                  </a:lnTo>
+                  <a:cubicBezTo>
+                    <a:pt x="426776" y="3288"/>
+                    <a:pt x="423642" y="58"/>
+                    <a:pt x="419715" y="1"/>
+                  </a:cubicBezTo>
+                  <a:cubicBezTo>
+                    <a:pt x="417764" y="-28"/>
+                    <a:pt x="415889" y="744"/>
+                    <a:pt x="414528" y="2135"/>
+                  </a:cubicBezTo>
+                  <a:lnTo>
+                    <a:pt x="211328" y="205335"/>
+                  </a:lnTo>
+                  <a:lnTo>
+                    <a:pt x="0" y="416663"/>
+                  </a:lnTo>
+                  <a:lnTo>
+                    <a:pt x="0" y="562459"/>
+                  </a:lnTo>
+                  <a:lnTo>
+                    <a:pt x="613664" y="562459"/>
+                  </a:lnTo>
+                  <a:cubicBezTo>
+                    <a:pt x="629371" y="562744"/>
+                    <a:pt x="642336" y="550237"/>
+                    <a:pt x="642620" y="534530"/>
+                  </a:cubicBezTo>
+                  <a:cubicBezTo>
+                    <a:pt x="642625" y="534189"/>
+                    <a:pt x="642625" y="533844"/>
+                    <a:pt x="642620" y="533503"/>
+                  </a:cubicBezTo>
+                  <a:lnTo>
+                    <a:pt x="642620" y="7215"/>
+                  </a:lnTo>
+                  <a:cubicBezTo>
+                    <a:pt x="642676" y="3288"/>
+                    <a:pt x="639542" y="58"/>
+                    <a:pt x="635615" y="1"/>
+                  </a:cubicBezTo>
+                  <a:cubicBezTo>
+                    <a:pt x="633664" y="-28"/>
+                    <a:pt x="631789" y="744"/>
+                    <a:pt x="630428" y="2135"/>
+                  </a:cubicBezTo>
+                  <a:close/>
+                </a:path>
+              </a:pathLst>
+            </a:custGeom>
+            <a:solidFill>
+              <a:srgbClr val="005BA1"/>
+            </a:solidFill>
+            <a:ln w="50800" cap="flat">
+              <a:noFill/>
+              <a:prstDash val="solid"/>
+              <a:miter/>
+            </a:ln>
+          </p:spPr>
+          <p:txBody>
+            <a:bodyPr rtlCol="0" anchor="ctr"/>
+            <a:lstStyle/>
+            <a:p>
+              <a:endParaRPr lang="en-US"/>
+            </a:p>
+          </p:txBody>
+        </p:sp>
+        <p:sp>
+          <p:nvSpPr>
+            <p:cNvPr id="17" name="Freeform: Shape 16">
+              <a:extLst>
+                <a:ext uri="{FF2B5EF4-FFF2-40B4-BE49-F238E27FC236}">
+                  <a16:creationId xmlns:a16="http://schemas.microsoft.com/office/drawing/2014/main" id="{10EFD61C-4DB6-4BAA-B6E6-8C926DDE4C08}"/>
+                </a:ext>
+              </a:extLst>
+            </p:cNvPr>
+            <p:cNvSpPr/>
+            <p:nvPr/>
+          </p:nvSpPr>
+          <p:spPr>
+            <a:xfrm>
+              <a:off x="5096556" y="3280118"/>
+              <a:ext cx="431804" cy="787403"/>
+            </a:xfrm>
+            <a:custGeom>
+              <a:avLst/>
+              <a:gdLst>
+                <a:gd name="connsiteX0" fmla="*/ 215905 w 431804"/>
+                <a:gd name="connsiteY0" fmla="*/ 80264 h 787403"/>
+                <a:gd name="connsiteX1" fmla="*/ 5 w 431804"/>
+                <a:gd name="connsiteY1" fmla="*/ 0 h 787403"/>
+                <a:gd name="connsiteX2" fmla="*/ 5 w 431804"/>
+                <a:gd name="connsiteY2" fmla="*/ 288036 h 787403"/>
+                <a:gd name="connsiteX3" fmla="*/ 5 w 431804"/>
+                <a:gd name="connsiteY3" fmla="*/ 288036 h 787403"/>
+                <a:gd name="connsiteX4" fmla="*/ 5 w 431804"/>
+                <a:gd name="connsiteY4" fmla="*/ 758444 h 787403"/>
+                <a:gd name="connsiteX5" fmla="*/ 27936 w 431804"/>
+                <a:gd name="connsiteY5" fmla="*/ 787400 h 787403"/>
+                <a:gd name="connsiteX6" fmla="*/ 28961 w 431804"/>
+                <a:gd name="connsiteY6" fmla="*/ 787400 h 787403"/>
+                <a:gd name="connsiteX7" fmla="*/ 431805 w 431804"/>
+                <a:gd name="connsiteY7" fmla="*/ 787400 h 787403"/>
+                <a:gd name="connsiteX8" fmla="*/ 431805 w 431804"/>
+                <a:gd name="connsiteY8" fmla="*/ 0 h 787403"/>
+                <a:gd name="connsiteX9" fmla="*/ 215905 w 431804"/>
+                <a:gd name="connsiteY9" fmla="*/ 80264 h 787403"/>
+              </a:gdLst>
+              <a:ahLst/>
+              <a:cxnLst>
+                <a:cxn ang="0">
+                  <a:pos x="connsiteX0" y="connsiteY0"/>
+                </a:cxn>
+                <a:cxn ang="0">
+                  <a:pos x="connsiteX1" y="connsiteY1"/>
+                </a:cxn>
+                <a:cxn ang="0">
+                  <a:pos x="connsiteX2" y="connsiteY2"/>
+                </a:cxn>
+                <a:cxn ang="0">
+                  <a:pos x="connsiteX3" y="connsiteY3"/>
+                </a:cxn>
+                <a:cxn ang="0">
+                  <a:pos x="connsiteX4" y="connsiteY4"/>
+                </a:cxn>
+                <a:cxn ang="0">
+                  <a:pos x="connsiteX5" y="connsiteY5"/>
+                </a:cxn>
+                <a:cxn ang="0">
+                  <a:pos x="connsiteX6" y="connsiteY6"/>
+                </a:cxn>
+                <a:cxn ang="0">
+                  <a:pos x="connsiteX7" y="connsiteY7"/>
+                </a:cxn>
+                <a:cxn ang="0">
+                  <a:pos x="connsiteX8" y="connsiteY8"/>
+                </a:cxn>
+                <a:cxn ang="0">
+                  <a:pos x="connsiteX9" y="connsiteY9"/>
+                </a:cxn>
+              </a:cxnLst>
+              <a:rect l="l" t="t" r="r" b="b"/>
+              <a:pathLst>
+                <a:path w="431804" h="787403">
+                  <a:moveTo>
+                    <a:pt x="215905" y="80264"/>
+                  </a:moveTo>
+                  <a:cubicBezTo>
+                    <a:pt x="96525" y="80264"/>
+                    <a:pt x="5" y="45212"/>
+                    <a:pt x="5" y="0"/>
+                  </a:cubicBezTo>
+                  <a:lnTo>
+                    <a:pt x="5" y="288036"/>
+                  </a:lnTo>
+                  <a:lnTo>
+                    <a:pt x="5" y="288036"/>
+                  </a:lnTo>
+                  <a:lnTo>
+                    <a:pt x="5" y="758444"/>
+                  </a:lnTo>
+                  <a:cubicBezTo>
+                    <a:pt x="-278" y="774151"/>
+                    <a:pt x="12227" y="787116"/>
+                    <a:pt x="27936" y="787400"/>
+                  </a:cubicBezTo>
+                  <a:cubicBezTo>
+                    <a:pt x="28277" y="787405"/>
+                    <a:pt x="28619" y="787405"/>
+                    <a:pt x="28961" y="787400"/>
+                  </a:cubicBezTo>
+                  <a:lnTo>
+                    <a:pt x="431805" y="787400"/>
+                  </a:lnTo>
+                  <a:lnTo>
+                    <a:pt x="431805" y="0"/>
+                  </a:lnTo>
+                  <a:cubicBezTo>
+                    <a:pt x="431805" y="45212"/>
+                    <a:pt x="335285" y="80264"/>
+                    <a:pt x="215905" y="80264"/>
+                  </a:cubicBezTo>
+                  <a:close/>
+                </a:path>
+              </a:pathLst>
+            </a:custGeom>
+            <a:solidFill>
+              <a:srgbClr val="005BA1"/>
+            </a:solidFill>
+            <a:ln w="50800" cap="flat">
+              <a:noFill/>
+              <a:prstDash val="solid"/>
+              <a:miter/>
+            </a:ln>
+          </p:spPr>
+          <p:txBody>
+            <a:bodyPr rtlCol="0" anchor="ctr"/>
+            <a:lstStyle/>
+            <a:p>
+              <a:endParaRPr lang="en-US"/>
+            </a:p>
+          </p:txBody>
+        </p:sp>
+        <p:sp>
+          <p:nvSpPr>
+            <p:cNvPr id="18" name="Freeform: Shape 17">
+              <a:extLst>
+                <a:ext uri="{FF2B5EF4-FFF2-40B4-BE49-F238E27FC236}">
+                  <a16:creationId xmlns:a16="http://schemas.microsoft.com/office/drawing/2014/main" id="{D84842C0-4B5F-4191-ADA2-E8C66EE26525}"/>
+                </a:ext>
+              </a:extLst>
+            </p:cNvPr>
+            <p:cNvSpPr/>
+            <p:nvPr/>
+          </p:nvSpPr>
+          <p:spPr>
+            <a:xfrm>
+              <a:off x="5726989" y="3837394"/>
+              <a:ext cx="115315" cy="115315"/>
+            </a:xfrm>
+            <a:custGeom>
+              <a:avLst/>
+              <a:gdLst>
+                <a:gd name="connsiteX0" fmla="*/ 101092 w 115315"/>
+                <a:gd name="connsiteY0" fmla="*/ 0 h 115315"/>
+                <a:gd name="connsiteX1" fmla="*/ 115316 w 115315"/>
+                <a:gd name="connsiteY1" fmla="*/ 0 h 115315"/>
+                <a:gd name="connsiteX2" fmla="*/ 115316 w 115315"/>
+                <a:gd name="connsiteY2" fmla="*/ 115316 h 115315"/>
+                <a:gd name="connsiteX3" fmla="*/ 101092 w 115315"/>
+                <a:gd name="connsiteY3" fmla="*/ 115316 h 115315"/>
+                <a:gd name="connsiteX4" fmla="*/ 14224 w 115315"/>
+                <a:gd name="connsiteY4" fmla="*/ 115316 h 115315"/>
+                <a:gd name="connsiteX5" fmla="*/ 14224 w 115315"/>
+                <a:gd name="connsiteY5" fmla="*/ 0 h 115315"/>
+                <a:gd name="connsiteX6" fmla="*/ 0 w 115315"/>
+                <a:gd name="connsiteY6" fmla="*/ 0 h 115315"/>
+                <a:gd name="connsiteX7" fmla="*/ 14224 w 115315"/>
+                <a:gd name="connsiteY7" fmla="*/ 0 h 115315"/>
+              </a:gdLst>
+              <a:ahLst/>
+              <a:cxnLst>
+                <a:cxn ang="0">
+                  <a:pos x="connsiteX0" y="connsiteY0"/>
+                </a:cxn>
+                <a:cxn ang="0">
+                  <a:pos x="connsiteX1" y="connsiteY1"/>
+                </a:cxn>
+                <a:cxn ang="0">
+                  <a:pos x="connsiteX2" y="connsiteY2"/>
+                </a:cxn>
+                <a:cxn ang="0">
+                  <a:pos x="connsiteX3" y="connsiteY3"/>
+                </a:cxn>
+                <a:cxn ang="0">
+                  <a:pos x="connsiteX4" y="connsiteY4"/>
+                </a:cxn>
+                <a:cxn ang="0">
+                  <a:pos x="connsiteX5" y="connsiteY5"/>
+                </a:cxn>
+                <a:cxn ang="0">
+                  <a:pos x="connsiteX6" y="connsiteY6"/>
+                </a:cxn>
+                <a:cxn ang="0">
+                  <a:pos x="connsiteX7" y="connsiteY7"/>
+                </a:cxn>
+              </a:cxnLst>
+              <a:rect l="l" t="t" r="r" b="b"/>
+              <a:pathLst>
+                <a:path w="115315" h="115315">
+                  <a:moveTo>
+                    <a:pt x="101092" y="0"/>
+                  </a:moveTo>
+                  <a:cubicBezTo>
+                    <a:pt x="108948" y="0"/>
+                    <a:pt x="115316" y="0"/>
+                    <a:pt x="115316" y="0"/>
+                  </a:cubicBezTo>
+                  <a:lnTo>
+                    <a:pt x="115316" y="115316"/>
+                  </a:lnTo>
+                  <a:cubicBezTo>
+                    <a:pt x="115316" y="115316"/>
+                    <a:pt x="108948" y="115316"/>
+                    <a:pt x="101092" y="115316"/>
+                  </a:cubicBezTo>
+                  <a:lnTo>
+                    <a:pt x="14224" y="115316"/>
+                  </a:lnTo>
+                  <a:lnTo>
+                    <a:pt x="14224" y="0"/>
+                  </a:lnTo>
+                  <a:cubicBezTo>
+                    <a:pt x="6368" y="0"/>
+                    <a:pt x="0" y="0"/>
+                    <a:pt x="0" y="0"/>
+                  </a:cubicBezTo>
+                  <a:cubicBezTo>
+                    <a:pt x="0" y="0"/>
+                    <a:pt x="6368" y="0"/>
+                    <a:pt x="14224" y="0"/>
+                  </a:cubicBezTo>
+                  <a:close/>
+                </a:path>
+              </a:pathLst>
+            </a:custGeom>
+            <a:solidFill>
+              <a:srgbClr val="FFFFFF"/>
+            </a:solidFill>
+            <a:ln w="50800" cap="flat">
+              <a:noFill/>
+              <a:prstDash val="solid"/>
+              <a:miter/>
+            </a:ln>
+          </p:spPr>
+          <p:txBody>
+            <a:bodyPr rtlCol="0" anchor="ctr"/>
+            <a:lstStyle/>
+            <a:p>
+              <a:endParaRPr lang="en-US"/>
+            </a:p>
+          </p:txBody>
+        </p:sp>
+        <p:sp>
+          <p:nvSpPr>
+            <p:cNvPr id="19" name="Freeform: Shape 18">
+              <a:extLst>
+                <a:ext uri="{FF2B5EF4-FFF2-40B4-BE49-F238E27FC236}">
+                  <a16:creationId xmlns:a16="http://schemas.microsoft.com/office/drawing/2014/main" id="{4C2998AC-3961-4B9B-9610-27D5B28E995B}"/>
+                </a:ext>
+              </a:extLst>
+            </p:cNvPr>
+            <p:cNvSpPr/>
+            <p:nvPr/>
+          </p:nvSpPr>
+          <p:spPr>
+            <a:xfrm>
+              <a:off x="5526837" y="3837394"/>
+              <a:ext cx="115315" cy="115315"/>
+            </a:xfrm>
+            <a:custGeom>
+              <a:avLst/>
+              <a:gdLst>
+                <a:gd name="connsiteX0" fmla="*/ 101092 w 115315"/>
+                <a:gd name="connsiteY0" fmla="*/ 0 h 115315"/>
+                <a:gd name="connsiteX1" fmla="*/ 115316 w 115315"/>
+                <a:gd name="connsiteY1" fmla="*/ 0 h 115315"/>
+                <a:gd name="connsiteX2" fmla="*/ 115316 w 115315"/>
+                <a:gd name="connsiteY2" fmla="*/ 115316 h 115315"/>
+                <a:gd name="connsiteX3" fmla="*/ 101092 w 115315"/>
+                <a:gd name="connsiteY3" fmla="*/ 115316 h 115315"/>
+                <a:gd name="connsiteX4" fmla="*/ 14224 w 115315"/>
+                <a:gd name="connsiteY4" fmla="*/ 115316 h 115315"/>
+                <a:gd name="connsiteX5" fmla="*/ 14224 w 115315"/>
+                <a:gd name="connsiteY5" fmla="*/ 0 h 115315"/>
+                <a:gd name="connsiteX6" fmla="*/ 0 w 115315"/>
+                <a:gd name="connsiteY6" fmla="*/ 0 h 115315"/>
+                <a:gd name="connsiteX7" fmla="*/ 14224 w 115315"/>
+                <a:gd name="connsiteY7" fmla="*/ 0 h 115315"/>
+              </a:gdLst>
+              <a:ahLst/>
+              <a:cxnLst>
+                <a:cxn ang="0">
+                  <a:pos x="connsiteX0" y="connsiteY0"/>
+                </a:cxn>
+                <a:cxn ang="0">
+                  <a:pos x="connsiteX1" y="connsiteY1"/>
+                </a:cxn>
+                <a:cxn ang="0">
+                  <a:pos x="connsiteX2" y="connsiteY2"/>
+                </a:cxn>
+                <a:cxn ang="0">
+                  <a:pos x="connsiteX3" y="connsiteY3"/>
+                </a:cxn>
+                <a:cxn ang="0">
+                  <a:pos x="connsiteX4" y="connsiteY4"/>
+                </a:cxn>
+                <a:cxn ang="0">
+                  <a:pos x="connsiteX5" y="connsiteY5"/>
+                </a:cxn>
+                <a:cxn ang="0">
+                  <a:pos x="connsiteX6" y="connsiteY6"/>
+                </a:cxn>
+                <a:cxn ang="0">
+                  <a:pos x="connsiteX7" y="connsiteY7"/>
+                </a:cxn>
+              </a:cxnLst>
+              <a:rect l="l" t="t" r="r" b="b"/>
+              <a:pathLst>
+                <a:path w="115315" h="115315">
+                  <a:moveTo>
+                    <a:pt x="101092" y="0"/>
+                  </a:moveTo>
+                  <a:cubicBezTo>
+                    <a:pt x="108948" y="0"/>
+                    <a:pt x="115316" y="0"/>
+                    <a:pt x="115316" y="0"/>
+                  </a:cubicBezTo>
+                  <a:lnTo>
+                    <a:pt x="115316" y="115316"/>
+                  </a:lnTo>
+                  <a:cubicBezTo>
+                    <a:pt x="115316" y="115316"/>
+                    <a:pt x="108948" y="115316"/>
+                    <a:pt x="101092" y="115316"/>
+                  </a:cubicBezTo>
+                  <a:lnTo>
+                    <a:pt x="14224" y="115316"/>
+                  </a:lnTo>
+                  <a:lnTo>
+                    <a:pt x="14224" y="0"/>
+                  </a:lnTo>
+                  <a:cubicBezTo>
+                    <a:pt x="6368" y="0"/>
+                    <a:pt x="0" y="0"/>
+                    <a:pt x="0" y="0"/>
+                  </a:cubicBezTo>
+                  <a:cubicBezTo>
+                    <a:pt x="0" y="0"/>
+                    <a:pt x="6368" y="0"/>
+                    <a:pt x="14224" y="0"/>
+                  </a:cubicBezTo>
+                  <a:close/>
+                </a:path>
+              </a:pathLst>
+            </a:custGeom>
+            <a:solidFill>
+              <a:srgbClr val="FFFFFF"/>
+            </a:solidFill>
+            <a:ln w="50800" cap="flat">
+              <a:noFill/>
+              <a:prstDash val="solid"/>
+              <a:miter/>
+            </a:ln>
+          </p:spPr>
+          <p:txBody>
+            <a:bodyPr rtlCol="0" anchor="ctr"/>
+            <a:lstStyle/>
+            <a:p>
+              <a:endParaRPr lang="en-US"/>
+            </a:p>
+          </p:txBody>
+        </p:sp>
+        <p:sp>
+          <p:nvSpPr>
+            <p:cNvPr id="20" name="Freeform: Shape 19">
+              <a:extLst>
+                <a:ext uri="{FF2B5EF4-FFF2-40B4-BE49-F238E27FC236}">
+                  <a16:creationId xmlns:a16="http://schemas.microsoft.com/office/drawing/2014/main" id="{924F74DD-38F2-41CF-AF2C-5BCEBB26120E}"/>
+                </a:ext>
+              </a:extLst>
+            </p:cNvPr>
+            <p:cNvSpPr/>
+            <p:nvPr/>
+          </p:nvSpPr>
+          <p:spPr>
+            <a:xfrm>
+              <a:off x="5326685" y="3837394"/>
+              <a:ext cx="115316" cy="115315"/>
+            </a:xfrm>
+            <a:custGeom>
+              <a:avLst/>
+              <a:gdLst>
+                <a:gd name="connsiteX0" fmla="*/ 101092 w 115316"/>
+                <a:gd name="connsiteY0" fmla="*/ 0 h 115315"/>
+                <a:gd name="connsiteX1" fmla="*/ 115316 w 115316"/>
+                <a:gd name="connsiteY1" fmla="*/ 0 h 115315"/>
+                <a:gd name="connsiteX2" fmla="*/ 115316 w 115316"/>
+                <a:gd name="connsiteY2" fmla="*/ 115316 h 115315"/>
+                <a:gd name="connsiteX3" fmla="*/ 101092 w 115316"/>
+                <a:gd name="connsiteY3" fmla="*/ 115316 h 115315"/>
+                <a:gd name="connsiteX4" fmla="*/ 14224 w 115316"/>
+                <a:gd name="connsiteY4" fmla="*/ 115316 h 115315"/>
+                <a:gd name="connsiteX5" fmla="*/ 14224 w 115316"/>
+                <a:gd name="connsiteY5" fmla="*/ 0 h 115315"/>
+                <a:gd name="connsiteX6" fmla="*/ 0 w 115316"/>
+                <a:gd name="connsiteY6" fmla="*/ 0 h 115315"/>
+                <a:gd name="connsiteX7" fmla="*/ 14224 w 115316"/>
+                <a:gd name="connsiteY7" fmla="*/ 0 h 115315"/>
+              </a:gdLst>
+              <a:ahLst/>
+              <a:cxnLst>
+                <a:cxn ang="0">
+                  <a:pos x="connsiteX0" y="connsiteY0"/>
+                </a:cxn>
+                <a:cxn ang="0">
+                  <a:pos x="connsiteX1" y="connsiteY1"/>
+                </a:cxn>
+                <a:cxn ang="0">
+                  <a:pos x="connsiteX2" y="connsiteY2"/>
+                </a:cxn>
+                <a:cxn ang="0">
+                  <a:pos x="connsiteX3" y="connsiteY3"/>
+                </a:cxn>
+                <a:cxn ang="0">
+                  <a:pos x="connsiteX4" y="connsiteY4"/>
+                </a:cxn>
+                <a:cxn ang="0">
+                  <a:pos x="connsiteX5" y="connsiteY5"/>
+                </a:cxn>
+                <a:cxn ang="0">
+                  <a:pos x="connsiteX6" y="connsiteY6"/>
+                </a:cxn>
+                <a:cxn ang="0">
+                  <a:pos x="connsiteX7" y="connsiteY7"/>
+                </a:cxn>
+              </a:cxnLst>
+              <a:rect l="l" t="t" r="r" b="b"/>
+              <a:pathLst>
+                <a:path w="115316" h="115315">
+                  <a:moveTo>
+                    <a:pt x="101092" y="0"/>
+                  </a:moveTo>
+                  <a:cubicBezTo>
+                    <a:pt x="108948" y="0"/>
+                    <a:pt x="115316" y="0"/>
+                    <a:pt x="115316" y="0"/>
+                  </a:cubicBezTo>
+                  <a:lnTo>
+                    <a:pt x="115316" y="115316"/>
+                  </a:lnTo>
+                  <a:cubicBezTo>
+                    <a:pt x="115316" y="115316"/>
+                    <a:pt x="108948" y="115316"/>
+                    <a:pt x="101092" y="115316"/>
+                  </a:cubicBezTo>
+                  <a:lnTo>
+                    <a:pt x="14224" y="115316"/>
+                  </a:lnTo>
+                  <a:lnTo>
+                    <a:pt x="14224" y="0"/>
+                  </a:lnTo>
+                  <a:cubicBezTo>
+                    <a:pt x="6368" y="0"/>
+                    <a:pt x="0" y="0"/>
+                    <a:pt x="0" y="0"/>
+                  </a:cubicBezTo>
+                  <a:cubicBezTo>
+                    <a:pt x="0" y="0"/>
+                    <a:pt x="6368" y="0"/>
+                    <a:pt x="14224" y="0"/>
+                  </a:cubicBezTo>
+                  <a:close/>
+                </a:path>
+              </a:pathLst>
+            </a:custGeom>
+            <a:solidFill>
+              <a:srgbClr val="FFFFFF"/>
+            </a:solidFill>
+            <a:ln w="50800" cap="flat">
+              <a:noFill/>
+              <a:prstDash val="solid"/>
+              <a:miter/>
+            </a:ln>
+          </p:spPr>
+          <p:txBody>
+            <a:bodyPr rtlCol="0" anchor="ctr"/>
+            <a:lstStyle/>
+            <a:p>
+              <a:endParaRPr lang="en-US"/>
+            </a:p>
+          </p:txBody>
+        </p:sp>
+        <p:sp>
+          <p:nvSpPr>
+            <p:cNvPr id="21" name="Freeform: Shape 20">
+              <a:extLst>
+                <a:ext uri="{FF2B5EF4-FFF2-40B4-BE49-F238E27FC236}">
+                  <a16:creationId xmlns:a16="http://schemas.microsoft.com/office/drawing/2014/main" id="{2ED483E3-7C7B-480D-9290-D5C766C6CDA8}"/>
+                </a:ext>
+              </a:extLst>
+            </p:cNvPr>
+            <p:cNvSpPr/>
+            <p:nvPr/>
+          </p:nvSpPr>
+          <p:spPr>
+            <a:xfrm>
+              <a:off x="5096561" y="3203918"/>
+              <a:ext cx="431800" cy="154431"/>
+            </a:xfrm>
+            <a:custGeom>
+              <a:avLst/>
+              <a:gdLst>
+                <a:gd name="connsiteX0" fmla="*/ 431800 w 431800"/>
+                <a:gd name="connsiteY0" fmla="*/ 76200 h 154431"/>
+                <a:gd name="connsiteX1" fmla="*/ 215900 w 431800"/>
+                <a:gd name="connsiteY1" fmla="*/ 154432 h 154431"/>
+                <a:gd name="connsiteX2" fmla="*/ 0 w 431800"/>
+                <a:gd name="connsiteY2" fmla="*/ 76200 h 154431"/>
+                <a:gd name="connsiteX3" fmla="*/ 215900 w 431800"/>
+                <a:gd name="connsiteY3" fmla="*/ 0 h 154431"/>
+                <a:gd name="connsiteX4" fmla="*/ 431800 w 431800"/>
+                <a:gd name="connsiteY4" fmla="*/ 76200 h 154431"/>
+              </a:gdLst>
+              <a:ahLst/>
+              <a:cxnLst>
+                <a:cxn ang="0">
+                  <a:pos x="connsiteX0" y="connsiteY0"/>
+                </a:cxn>
+                <a:cxn ang="0">
+                  <a:pos x="connsiteX1" y="connsiteY1"/>
+                </a:cxn>
+                <a:cxn ang="0">
+                  <a:pos x="connsiteX2" y="connsiteY2"/>
+                </a:cxn>
+                <a:cxn ang="0">
+                  <a:pos x="connsiteX3" y="connsiteY3"/>
+                </a:cxn>
+                <a:cxn ang="0">
+                  <a:pos x="connsiteX4" y="connsiteY4"/>
+                </a:cxn>
+              </a:cxnLst>
+              <a:rect l="l" t="t" r="r" b="b"/>
+              <a:pathLst>
+                <a:path w="431800" h="154431">
+                  <a:moveTo>
+                    <a:pt x="431800" y="76200"/>
+                  </a:moveTo>
+                  <a:cubicBezTo>
+                    <a:pt x="431800" y="119380"/>
+                    <a:pt x="335280" y="154432"/>
+                    <a:pt x="215900" y="154432"/>
+                  </a:cubicBezTo>
+                  <a:cubicBezTo>
+                    <a:pt x="96520" y="154432"/>
+                    <a:pt x="0" y="121412"/>
+                    <a:pt x="0" y="76200"/>
+                  </a:cubicBezTo>
+                  <a:cubicBezTo>
+                    <a:pt x="0" y="30988"/>
+                    <a:pt x="96520" y="0"/>
+                    <a:pt x="215900" y="0"/>
+                  </a:cubicBezTo>
+                  <a:cubicBezTo>
+                    <a:pt x="335280" y="0"/>
+                    <a:pt x="431800" y="35052"/>
+                    <a:pt x="431800" y="76200"/>
+                  </a:cubicBezTo>
+                </a:path>
+              </a:pathLst>
+            </a:custGeom>
+            <a:solidFill>
+              <a:srgbClr val="EAEAEA"/>
+            </a:solidFill>
+            <a:ln w="50800" cap="flat">
+              <a:noFill/>
+              <a:prstDash val="solid"/>
+              <a:miter/>
+            </a:ln>
+          </p:spPr>
+          <p:txBody>
+            <a:bodyPr rtlCol="0" anchor="ctr"/>
+            <a:lstStyle/>
+            <a:p>
+              <a:endParaRPr lang="en-US"/>
+            </a:p>
+          </p:txBody>
+        </p:sp>
+        <p:sp>
+          <p:nvSpPr>
+            <p:cNvPr id="22" name="Freeform: Shape 21">
+              <a:extLst>
+                <a:ext uri="{FF2B5EF4-FFF2-40B4-BE49-F238E27FC236}">
+                  <a16:creationId xmlns:a16="http://schemas.microsoft.com/office/drawing/2014/main" id="{92578F51-A299-4289-9356-3AD71E8ACD39}"/>
+                </a:ext>
+              </a:extLst>
+            </p:cNvPr>
+            <p:cNvSpPr/>
+            <p:nvPr/>
+          </p:nvSpPr>
+          <p:spPr>
+            <a:xfrm>
+              <a:off x="5146345" y="3226269"/>
+              <a:ext cx="331215" cy="100076"/>
+            </a:xfrm>
+            <a:custGeom>
+              <a:avLst/>
+              <a:gdLst>
+                <a:gd name="connsiteX0" fmla="*/ 331216 w 331215"/>
+                <a:gd name="connsiteY0" fmla="*/ 49276 h 100076"/>
+                <a:gd name="connsiteX1" fmla="*/ 165608 w 331215"/>
+                <a:gd name="connsiteY1" fmla="*/ 100076 h 100076"/>
+                <a:gd name="connsiteX2" fmla="*/ 0 w 331215"/>
+                <a:gd name="connsiteY2" fmla="*/ 49276 h 100076"/>
+                <a:gd name="connsiteX3" fmla="*/ 166116 w 331215"/>
+                <a:gd name="connsiteY3" fmla="*/ 0 h 100076"/>
+                <a:gd name="connsiteX4" fmla="*/ 331216 w 331215"/>
+                <a:gd name="connsiteY4" fmla="*/ 49276 h 100076"/>
+              </a:gdLst>
+              <a:ahLst/>
+              <a:cxnLst>
+                <a:cxn ang="0">
+                  <a:pos x="connsiteX0" y="connsiteY0"/>
+                </a:cxn>
+                <a:cxn ang="0">
+                  <a:pos x="connsiteX1" y="connsiteY1"/>
+                </a:cxn>
+                <a:cxn ang="0">
+                  <a:pos x="connsiteX2" y="connsiteY2"/>
+                </a:cxn>
+                <a:cxn ang="0">
+                  <a:pos x="connsiteX3" y="connsiteY3"/>
+                </a:cxn>
+                <a:cxn ang="0">
+                  <a:pos x="connsiteX4" y="connsiteY4"/>
+                </a:cxn>
+              </a:cxnLst>
+              <a:rect l="l" t="t" r="r" b="b"/>
+              <a:pathLst>
+                <a:path w="331215" h="100076">
+                  <a:moveTo>
+                    <a:pt x="331216" y="49276"/>
+                  </a:moveTo>
+                  <a:cubicBezTo>
+                    <a:pt x="331216" y="77216"/>
+                    <a:pt x="257048" y="100076"/>
+                    <a:pt x="165608" y="100076"/>
+                  </a:cubicBezTo>
+                  <a:cubicBezTo>
+                    <a:pt x="74168" y="100076"/>
+                    <a:pt x="0" y="78232"/>
+                    <a:pt x="0" y="49276"/>
+                  </a:cubicBezTo>
+                  <a:cubicBezTo>
+                    <a:pt x="0" y="20320"/>
+                    <a:pt x="77216" y="0"/>
+                    <a:pt x="166116" y="0"/>
+                  </a:cubicBezTo>
+                  <a:cubicBezTo>
+                    <a:pt x="255016" y="0"/>
+                    <a:pt x="331216" y="21844"/>
+                    <a:pt x="331216" y="49276"/>
+                  </a:cubicBezTo>
+                </a:path>
+              </a:pathLst>
+            </a:custGeom>
+            <a:solidFill>
+              <a:srgbClr val="50E6FF"/>
+            </a:solidFill>
+            <a:ln w="50800" cap="flat">
+              <a:noFill/>
+              <a:prstDash val="solid"/>
+              <a:miter/>
+            </a:ln>
+          </p:spPr>
+          <p:txBody>
+            <a:bodyPr rtlCol="0" anchor="ctr"/>
+            <a:lstStyle/>
+            <a:p>
+              <a:endParaRPr lang="en-US"/>
+            </a:p>
+          </p:txBody>
+        </p:sp>
+        <p:sp>
+          <p:nvSpPr>
+            <p:cNvPr id="23" name="Freeform: Shape 22">
+              <a:extLst>
+                <a:ext uri="{FF2B5EF4-FFF2-40B4-BE49-F238E27FC236}">
+                  <a16:creationId xmlns:a16="http://schemas.microsoft.com/office/drawing/2014/main" id="{C87BB579-12EB-4933-BB3C-3F0300942E20}"/>
+                </a:ext>
+              </a:extLst>
+            </p:cNvPr>
+            <p:cNvSpPr/>
+            <p:nvPr/>
+          </p:nvSpPr>
+          <p:spPr>
+            <a:xfrm>
+              <a:off x="5181397" y="3287149"/>
+              <a:ext cx="262127" cy="38303"/>
+            </a:xfrm>
+            <a:custGeom>
+              <a:avLst/>
+              <a:gdLst>
+                <a:gd name="connsiteX0" fmla="*/ 131064 w 262127"/>
+                <a:gd name="connsiteY0" fmla="*/ 80 h 38303"/>
+                <a:gd name="connsiteX1" fmla="*/ 0 w 262127"/>
+                <a:gd name="connsiteY1" fmla="*/ 18876 h 38303"/>
+                <a:gd name="connsiteX2" fmla="*/ 131064 w 262127"/>
+                <a:gd name="connsiteY2" fmla="*/ 38180 h 38303"/>
+                <a:gd name="connsiteX3" fmla="*/ 262128 w 262127"/>
+                <a:gd name="connsiteY3" fmla="*/ 18876 h 38303"/>
+                <a:gd name="connsiteX4" fmla="*/ 131064 w 262127"/>
+                <a:gd name="connsiteY4" fmla="*/ 80 h 38303"/>
+              </a:gdLst>
+              <a:ahLst/>
+              <a:cxnLst>
+                <a:cxn ang="0">
+                  <a:pos x="connsiteX0" y="connsiteY0"/>
+                </a:cxn>
+                <a:cxn ang="0">
+                  <a:pos x="connsiteX1" y="connsiteY1"/>
+                </a:cxn>
+                <a:cxn ang="0">
+                  <a:pos x="connsiteX2" y="connsiteY2"/>
+                </a:cxn>
+                <a:cxn ang="0">
+                  <a:pos x="connsiteX3" y="connsiteY3"/>
+                </a:cxn>
+                <a:cxn ang="0">
+                  <a:pos x="connsiteX4" y="connsiteY4"/>
+                </a:cxn>
+              </a:cxnLst>
+              <a:rect l="l" t="t" r="r" b="b"/>
+              <a:pathLst>
+                <a:path w="262127" h="38303">
+                  <a:moveTo>
+                    <a:pt x="131064" y="80"/>
+                  </a:moveTo>
+                  <a:cubicBezTo>
+                    <a:pt x="86646" y="-798"/>
+                    <a:pt x="42381" y="5551"/>
+                    <a:pt x="0" y="18876"/>
+                  </a:cubicBezTo>
+                  <a:cubicBezTo>
+                    <a:pt x="42259" y="32774"/>
+                    <a:pt x="86593" y="39304"/>
+                    <a:pt x="131064" y="38180"/>
+                  </a:cubicBezTo>
+                  <a:cubicBezTo>
+                    <a:pt x="175535" y="39304"/>
+                    <a:pt x="219869" y="32774"/>
+                    <a:pt x="262128" y="18876"/>
+                  </a:cubicBezTo>
+                  <a:cubicBezTo>
+                    <a:pt x="219747" y="5551"/>
+                    <a:pt x="175482" y="-798"/>
+                    <a:pt x="131064" y="80"/>
+                  </a:cubicBezTo>
+                  <a:close/>
+                </a:path>
+              </a:pathLst>
+            </a:custGeom>
+            <a:solidFill>
+              <a:srgbClr val="198AB3"/>
+            </a:solidFill>
+            <a:ln w="50800" cap="flat">
+              <a:noFill/>
+              <a:prstDash val="solid"/>
+              <a:miter/>
+            </a:ln>
+          </p:spPr>
+          <p:txBody>
+            <a:bodyPr rtlCol="0" anchor="ctr"/>
+            <a:lstStyle/>
+            <a:p>
+              <a:endParaRPr lang="en-US"/>
+            </a:p>
+          </p:txBody>
+        </p:sp>
+      </p:grpSp>
+      <p:sp>
+        <p:nvSpPr>
+          <p:cNvPr id="24" name="TextBox 23">
+            <a:extLst>
+              <a:ext uri="{FF2B5EF4-FFF2-40B4-BE49-F238E27FC236}">
+                <a16:creationId xmlns:a16="http://schemas.microsoft.com/office/drawing/2014/main" id="{15C4FA72-9412-4BDF-9979-22B37A6BE8D2}"/>
+              </a:ext>
+            </a:extLst>
+          </p:cNvPr>
+          <p:cNvSpPr txBox="1"/>
+          <p:nvPr/>
+        </p:nvSpPr>
+        <p:spPr>
+          <a:xfrm>
+            <a:off x="1103870" y="1235382"/>
+            <a:ext cx="1628972" cy="830997"/>
+          </a:xfrm>
+          <a:prstGeom prst="rect">
+            <a:avLst/>
+          </a:prstGeom>
+          <a:noFill/>
+        </p:spPr>
+        <p:txBody>
+          <a:bodyPr wrap="none" rtlCol="0">
+            <a:spAutoFit/>
+          </a:bodyPr>
+          <a:lstStyle/>
+          <a:p>
+            <a:r>
+              <a:rPr lang="en-US" sz="1200" b="1" dirty="0">
+                <a:latin typeface="Consolas" panose="020B0609020204030204" pitchFamily="49" charset="0"/>
+              </a:rPr>
+              <a:t>Repo</a:t>
+            </a:r>
+            <a:r>
+              <a:rPr lang="en-US" sz="1200" dirty="0">
+                <a:latin typeface="Consolas" panose="020B0609020204030204" pitchFamily="49" charset="0"/>
+              </a:rPr>
+              <a:t> : Project 1</a:t>
+            </a:r>
+          </a:p>
+          <a:p>
+            <a:r>
+              <a:rPr lang="en-US" sz="1200" b="1" dirty="0">
+                <a:latin typeface="Consolas" panose="020B0609020204030204" pitchFamily="49" charset="0"/>
+              </a:rPr>
+              <a:t>Team</a:t>
+            </a:r>
+            <a:r>
+              <a:rPr lang="en-US" sz="1200" dirty="0">
+                <a:latin typeface="Consolas" panose="020B0609020204030204" pitchFamily="49" charset="0"/>
+              </a:rPr>
+              <a:t> : Alpha</a:t>
+            </a:r>
+          </a:p>
+          <a:p>
+            <a:r>
+              <a:rPr lang="en-US" sz="1200" b="1" dirty="0">
+                <a:latin typeface="Consolas" panose="020B0609020204030204" pitchFamily="49" charset="0"/>
+              </a:rPr>
+              <a:t>Auth</a:t>
+            </a:r>
+            <a:r>
+              <a:rPr lang="en-US" sz="1200" dirty="0">
+                <a:latin typeface="Consolas" panose="020B0609020204030204" pitchFamily="49" charset="0"/>
+              </a:rPr>
+              <a:t> : Shared</a:t>
+            </a:r>
+          </a:p>
+          <a:p>
+            <a:r>
+              <a:rPr lang="en-US" sz="1200" b="1" dirty="0">
+                <a:latin typeface="Consolas" panose="020B0609020204030204" pitchFamily="49" charset="0"/>
+              </a:rPr>
+              <a:t>Dev </a:t>
+            </a:r>
+            <a:r>
+              <a:rPr lang="en-US" sz="1200" dirty="0">
+                <a:latin typeface="Consolas" panose="020B0609020204030204" pitchFamily="49" charset="0"/>
+              </a:rPr>
+              <a:t> : Debug only</a:t>
+            </a:r>
+          </a:p>
+        </p:txBody>
+      </p:sp>
+    </p:spTree>
+    <p:extLst>
+      <p:ext uri="{BB962C8B-B14F-4D97-AF65-F5344CB8AC3E}">
+        <p14:creationId xmlns:p14="http://schemas.microsoft.com/office/powerpoint/2010/main" val="2038232165"/>
+      </p:ext>
+    </p:extLst>
+  </p:cSld>
+  <p:clrMapOvr>
+    <a:masterClrMapping/>
+  </p:clrMapOvr>
+</p:sld>
+</file>
+
 <file path=ppt/theme/theme1.xml><?xml version="1.0" encoding="utf-8"?>
 <a:theme xmlns:a="http://schemas.openxmlformats.org/drawingml/2006/main" name="Office Theme">
   <a:themeElements>
